--- a/images/results/plum-pudding.pptx
+++ b/images/results/plum-pudding.pptx
@@ -104,6 +104,11 @@
       </a:defRPr>
     </a:lvl9pPr>
   </p:defaultTextStyle>
+  <p:extLst>
+    <p:ext uri="{EFAFB233-063F-42B5-8137-9DF3F51BA10A}">
+      <p15:sldGuideLst xmlns:p15="http://schemas.microsoft.com/office/powerpoint/2012/main"/>
+    </p:ext>
+  </p:extLst>
 </p:presentation>
 </file>
 
@@ -238,7 +243,7 @@
           <a:p>
             <a:fld id="{B6A3BE70-4BC0-064E-B746-30DCF43DDBBE}" type="datetimeFigureOut">
               <a:rPr lang="en-US" smtClean="0"/>
-              <a:t>12/7/16</a:t>
+              <a:t>12/22/16</a:t>
             </a:fld>
             <a:endParaRPr lang="en-US"/>
           </a:p>
@@ -403,7 +408,7 @@
           <a:p>
             <a:fld id="{B6A3BE70-4BC0-064E-B746-30DCF43DDBBE}" type="datetimeFigureOut">
               <a:rPr lang="en-US" smtClean="0"/>
-              <a:t>12/7/16</a:t>
+              <a:t>12/22/16</a:t>
             </a:fld>
             <a:endParaRPr lang="en-US"/>
           </a:p>
@@ -578,7 +583,7 @@
           <a:p>
             <a:fld id="{B6A3BE70-4BC0-064E-B746-30DCF43DDBBE}" type="datetimeFigureOut">
               <a:rPr lang="en-US" smtClean="0"/>
-              <a:t>12/7/16</a:t>
+              <a:t>12/22/16</a:t>
             </a:fld>
             <a:endParaRPr lang="en-US"/>
           </a:p>
@@ -743,7 +748,7 @@
           <a:p>
             <a:fld id="{B6A3BE70-4BC0-064E-B746-30DCF43DDBBE}" type="datetimeFigureOut">
               <a:rPr lang="en-US" smtClean="0"/>
-              <a:t>12/7/16</a:t>
+              <a:t>12/22/16</a:t>
             </a:fld>
             <a:endParaRPr lang="en-US"/>
           </a:p>
@@ -982,7 +987,7 @@
           <a:p>
             <a:fld id="{B6A3BE70-4BC0-064E-B746-30DCF43DDBBE}" type="datetimeFigureOut">
               <a:rPr lang="en-US" smtClean="0"/>
-              <a:t>12/7/16</a:t>
+              <a:t>12/22/16</a:t>
             </a:fld>
             <a:endParaRPr lang="en-US"/>
           </a:p>
@@ -1209,7 +1214,7 @@
           <a:p>
             <a:fld id="{B6A3BE70-4BC0-064E-B746-30DCF43DDBBE}" type="datetimeFigureOut">
               <a:rPr lang="en-US" smtClean="0"/>
-              <a:t>12/7/16</a:t>
+              <a:t>12/22/16</a:t>
             </a:fld>
             <a:endParaRPr lang="en-US"/>
           </a:p>
@@ -1571,7 +1576,7 @@
           <a:p>
             <a:fld id="{B6A3BE70-4BC0-064E-B746-30DCF43DDBBE}" type="datetimeFigureOut">
               <a:rPr lang="en-US" smtClean="0"/>
-              <a:t>12/7/16</a:t>
+              <a:t>12/22/16</a:t>
             </a:fld>
             <a:endParaRPr lang="en-US"/>
           </a:p>
@@ -1684,7 +1689,7 @@
           <a:p>
             <a:fld id="{B6A3BE70-4BC0-064E-B746-30DCF43DDBBE}" type="datetimeFigureOut">
               <a:rPr lang="en-US" smtClean="0"/>
-              <a:t>12/7/16</a:t>
+              <a:t>12/22/16</a:t>
             </a:fld>
             <a:endParaRPr lang="en-US"/>
           </a:p>
@@ -1774,7 +1779,7 @@
           <a:p>
             <a:fld id="{B6A3BE70-4BC0-064E-B746-30DCF43DDBBE}" type="datetimeFigureOut">
               <a:rPr lang="en-US" smtClean="0"/>
-              <a:t>12/7/16</a:t>
+              <a:t>12/22/16</a:t>
             </a:fld>
             <a:endParaRPr lang="en-US"/>
           </a:p>
@@ -2046,7 +2051,7 @@
           <a:p>
             <a:fld id="{B6A3BE70-4BC0-064E-B746-30DCF43DDBBE}" type="datetimeFigureOut">
               <a:rPr lang="en-US" smtClean="0"/>
-              <a:t>12/7/16</a:t>
+              <a:t>12/22/16</a:t>
             </a:fld>
             <a:endParaRPr lang="en-US"/>
           </a:p>
@@ -2298,7 +2303,7 @@
           <a:p>
             <a:fld id="{B6A3BE70-4BC0-064E-B746-30DCF43DDBBE}" type="datetimeFigureOut">
               <a:rPr lang="en-US" smtClean="0"/>
-              <a:t>12/7/16</a:t>
+              <a:t>12/22/16</a:t>
             </a:fld>
             <a:endParaRPr lang="en-US"/>
           </a:p>
@@ -2506,7 +2511,7 @@
           <a:p>
             <a:fld id="{B6A3BE70-4BC0-064E-B746-30DCF43DDBBE}" type="datetimeFigureOut">
               <a:rPr lang="en-US" smtClean="0"/>
-              <a:t>12/7/16</a:t>
+              <a:t>12/22/16</a:t>
             </a:fld>
             <a:endParaRPr lang="en-US"/>
           </a:p>
@@ -2911,2624 +2916,2560 @@
           <a:chExt cx="0" cy="0"/>
         </a:xfrm>
       </p:grpSpPr>
-      <p:grpSp>
-        <p:nvGrpSpPr>
-          <p:cNvPr id="74" name="Group 73"/>
-          <p:cNvGrpSpPr/>
+      <p:sp>
+        <p:nvSpPr>
+          <p:cNvPr id="5" name="Oval 4"/>
+          <p:cNvSpPr/>
           <p:nvPr/>
-        </p:nvGrpSpPr>
-        <p:grpSpPr>
-          <a:xfrm>
-            <a:off x="107254" y="108115"/>
-            <a:ext cx="6727033" cy="8786503"/>
-            <a:chOff x="107254" y="108115"/>
-            <a:chExt cx="6727033" cy="8786503"/>
-          </a:xfrm>
-        </p:grpSpPr>
-        <p:sp>
-          <p:nvSpPr>
-            <p:cNvPr id="5" name="Oval 4"/>
-            <p:cNvSpPr/>
-            <p:nvPr/>
-          </p:nvSpPr>
-          <p:spPr>
-            <a:xfrm>
-              <a:off x="468122" y="1901610"/>
-              <a:ext cx="1229895" cy="1136316"/>
-            </a:xfrm>
-            <a:prstGeom prst="ellipse">
-              <a:avLst/>
-            </a:prstGeom>
+        </p:nvSpPr>
+        <p:spPr>
+          <a:xfrm>
+            <a:off x="824378" y="2162864"/>
+            <a:ext cx="1229895" cy="1136316"/>
+          </a:xfrm>
+          <a:prstGeom prst="ellipse">
+            <a:avLst/>
+          </a:prstGeom>
+          <a:solidFill>
+            <a:srgbClr val="FF8733"/>
+          </a:solidFill>
+          <a:ln>
             <a:solidFill>
-              <a:srgbClr val="FF8733"/>
+              <a:schemeClr val="accent4"/>
             </a:solidFill>
-            <a:ln>
-              <a:solidFill>
-                <a:schemeClr val="accent4"/>
-              </a:solidFill>
-            </a:ln>
-            <a:effectLst/>
-          </p:spPr>
-          <p:style>
-            <a:lnRef idx="1">
-              <a:schemeClr val="accent1"/>
-            </a:lnRef>
-            <a:fillRef idx="3">
-              <a:schemeClr val="accent1"/>
-            </a:fillRef>
-            <a:effectRef idx="2">
-              <a:schemeClr val="accent1"/>
-            </a:effectRef>
-            <a:fontRef idx="minor">
-              <a:schemeClr val="lt1"/>
-            </a:fontRef>
-          </p:style>
-          <p:txBody>
-            <a:bodyPr rtlCol="0" anchor="ctr"/>
-            <a:lstStyle/>
-            <a:p>
-              <a:pPr algn="ctr"/>
-              <a:endParaRPr lang="en-US"/>
-            </a:p>
-          </p:txBody>
-        </p:sp>
-        <p:sp>
-          <p:nvSpPr>
-            <p:cNvPr id="6" name="Oval 5"/>
-            <p:cNvSpPr/>
-            <p:nvPr/>
-          </p:nvSpPr>
-          <p:spPr>
-            <a:xfrm>
-              <a:off x="869175" y="2275926"/>
-              <a:ext cx="414421" cy="414421"/>
-            </a:xfrm>
-            <a:prstGeom prst="ellipse">
-              <a:avLst/>
-            </a:prstGeom>
+          </a:ln>
+          <a:effectLst/>
+        </p:spPr>
+        <p:style>
+          <a:lnRef idx="1">
+            <a:schemeClr val="accent1"/>
+          </a:lnRef>
+          <a:fillRef idx="3">
+            <a:schemeClr val="accent1"/>
+          </a:fillRef>
+          <a:effectRef idx="2">
+            <a:schemeClr val="accent1"/>
+          </a:effectRef>
+          <a:fontRef idx="minor">
+            <a:schemeClr val="lt1"/>
+          </a:fontRef>
+        </p:style>
+        <p:txBody>
+          <a:bodyPr rtlCol="0" anchor="ctr"/>
+          <a:lstStyle/>
+          <a:p>
+            <a:pPr algn="ctr"/>
+            <a:endParaRPr lang="en-US"/>
+          </a:p>
+        </p:txBody>
+      </p:sp>
+      <p:sp>
+        <p:nvSpPr>
+          <p:cNvPr id="6" name="Oval 5"/>
+          <p:cNvSpPr/>
+          <p:nvPr/>
+        </p:nvSpPr>
+        <p:spPr>
+          <a:xfrm>
+            <a:off x="1225431" y="2537180"/>
+            <a:ext cx="414421" cy="414421"/>
+          </a:xfrm>
+          <a:prstGeom prst="ellipse">
+            <a:avLst/>
+          </a:prstGeom>
+          <a:solidFill>
+            <a:srgbClr val="B451FF"/>
+          </a:solidFill>
+          <a:ln>
             <a:solidFill>
               <a:srgbClr val="B451FF"/>
             </a:solidFill>
-            <a:ln>
-              <a:solidFill>
-                <a:srgbClr val="B451FF"/>
-              </a:solidFill>
-            </a:ln>
-            <a:effectLst/>
-          </p:spPr>
-          <p:style>
-            <a:lnRef idx="1">
-              <a:schemeClr val="accent1"/>
-            </a:lnRef>
-            <a:fillRef idx="3">
-              <a:schemeClr val="accent1"/>
-            </a:fillRef>
-            <a:effectRef idx="2">
-              <a:schemeClr val="accent1"/>
-            </a:effectRef>
-            <a:fontRef idx="minor">
-              <a:schemeClr val="lt1"/>
-            </a:fontRef>
-          </p:style>
-          <p:txBody>
-            <a:bodyPr rtlCol="0" anchor="ctr"/>
-            <a:lstStyle/>
-            <a:p>
-              <a:pPr algn="ctr"/>
-              <a:endParaRPr lang="en-US"/>
-            </a:p>
-          </p:txBody>
-        </p:sp>
-        <p:sp>
-          <p:nvSpPr>
-            <p:cNvPr id="7" name="Oval 6"/>
-            <p:cNvSpPr/>
-            <p:nvPr/>
-          </p:nvSpPr>
-          <p:spPr>
-            <a:xfrm>
-              <a:off x="343797" y="4218595"/>
-              <a:ext cx="1483894" cy="1428173"/>
-            </a:xfrm>
-            <a:prstGeom prst="ellipse">
-              <a:avLst/>
-            </a:prstGeom>
+          </a:ln>
+          <a:effectLst/>
+        </p:spPr>
+        <p:style>
+          <a:lnRef idx="1">
+            <a:schemeClr val="accent1"/>
+          </a:lnRef>
+          <a:fillRef idx="3">
+            <a:schemeClr val="accent1"/>
+          </a:fillRef>
+          <a:effectRef idx="2">
+            <a:schemeClr val="accent1"/>
+          </a:effectRef>
+          <a:fontRef idx="minor">
+            <a:schemeClr val="lt1"/>
+          </a:fontRef>
+        </p:style>
+        <p:txBody>
+          <a:bodyPr rtlCol="0" anchor="ctr"/>
+          <a:lstStyle/>
+          <a:p>
+            <a:pPr algn="ctr"/>
+            <a:endParaRPr lang="en-US"/>
+          </a:p>
+        </p:txBody>
+      </p:sp>
+      <p:sp>
+        <p:nvSpPr>
+          <p:cNvPr id="7" name="Oval 6"/>
+          <p:cNvSpPr/>
+          <p:nvPr/>
+        </p:nvSpPr>
+        <p:spPr>
+          <a:xfrm>
+            <a:off x="700053" y="4479849"/>
+            <a:ext cx="1483894" cy="1428173"/>
+          </a:xfrm>
+          <a:prstGeom prst="ellipse">
+            <a:avLst/>
+          </a:prstGeom>
+          <a:solidFill>
+            <a:srgbClr val="FF8733"/>
+          </a:solidFill>
+          <a:ln>
             <a:solidFill>
-              <a:srgbClr val="FF8733"/>
+              <a:schemeClr val="accent4"/>
             </a:solidFill>
-            <a:ln>
-              <a:solidFill>
-                <a:schemeClr val="accent4"/>
-              </a:solidFill>
-            </a:ln>
-            <a:effectLst/>
-          </p:spPr>
-          <p:style>
-            <a:lnRef idx="1">
-              <a:schemeClr val="accent1"/>
-            </a:lnRef>
-            <a:fillRef idx="3">
-              <a:schemeClr val="accent1"/>
-            </a:fillRef>
-            <a:effectRef idx="2">
-              <a:schemeClr val="accent1"/>
-            </a:effectRef>
-            <a:fontRef idx="minor">
-              <a:schemeClr val="lt1"/>
-            </a:fontRef>
-          </p:style>
-          <p:txBody>
-            <a:bodyPr rtlCol="0" anchor="ctr"/>
-            <a:lstStyle/>
-            <a:p>
-              <a:pPr algn="ctr"/>
-              <a:endParaRPr lang="en-US"/>
-            </a:p>
-          </p:txBody>
-        </p:sp>
-        <p:sp>
-          <p:nvSpPr>
-            <p:cNvPr id="8" name="Oval 7"/>
-            <p:cNvSpPr/>
-            <p:nvPr/>
-          </p:nvSpPr>
-          <p:spPr>
-            <a:xfrm>
-              <a:off x="648595" y="4655259"/>
-              <a:ext cx="120316" cy="106947"/>
-            </a:xfrm>
-            <a:prstGeom prst="ellipse">
-              <a:avLst/>
-            </a:prstGeom>
+          </a:ln>
+          <a:effectLst/>
+        </p:spPr>
+        <p:style>
+          <a:lnRef idx="1">
+            <a:schemeClr val="accent1"/>
+          </a:lnRef>
+          <a:fillRef idx="3">
+            <a:schemeClr val="accent1"/>
+          </a:fillRef>
+          <a:effectRef idx="2">
+            <a:schemeClr val="accent1"/>
+          </a:effectRef>
+          <a:fontRef idx="minor">
+            <a:schemeClr val="lt1"/>
+          </a:fontRef>
+        </p:style>
+        <p:txBody>
+          <a:bodyPr rtlCol="0" anchor="ctr"/>
+          <a:lstStyle/>
+          <a:p>
+            <a:pPr algn="ctr"/>
+            <a:endParaRPr lang="en-US"/>
+          </a:p>
+        </p:txBody>
+      </p:sp>
+      <p:sp>
+        <p:nvSpPr>
+          <p:cNvPr id="8" name="Oval 7"/>
+          <p:cNvSpPr/>
+          <p:nvPr/>
+        </p:nvSpPr>
+        <p:spPr>
+          <a:xfrm>
+            <a:off x="1004851" y="4916513"/>
+            <a:ext cx="120316" cy="106947"/>
+          </a:xfrm>
+          <a:prstGeom prst="ellipse">
+            <a:avLst/>
+          </a:prstGeom>
+          <a:solidFill>
+            <a:srgbClr val="B451FF"/>
+          </a:solidFill>
+          <a:ln>
             <a:solidFill>
               <a:srgbClr val="B451FF"/>
             </a:solidFill>
-            <a:ln>
-              <a:solidFill>
-                <a:srgbClr val="B451FF"/>
-              </a:solidFill>
-            </a:ln>
-            <a:effectLst/>
-          </p:spPr>
-          <p:style>
-            <a:lnRef idx="1">
-              <a:schemeClr val="accent1"/>
-            </a:lnRef>
-            <a:fillRef idx="3">
-              <a:schemeClr val="accent1"/>
-            </a:fillRef>
-            <a:effectRef idx="2">
-              <a:schemeClr val="accent1"/>
-            </a:effectRef>
-            <a:fontRef idx="minor">
-              <a:schemeClr val="lt1"/>
-            </a:fontRef>
-          </p:style>
-          <p:txBody>
-            <a:bodyPr rtlCol="0" anchor="ctr"/>
-            <a:lstStyle/>
-            <a:p>
-              <a:pPr algn="ctr"/>
-              <a:endParaRPr lang="en-US"/>
-            </a:p>
-          </p:txBody>
-        </p:sp>
-        <p:sp>
-          <p:nvSpPr>
-            <p:cNvPr id="10" name="Oval 9"/>
-            <p:cNvSpPr/>
-            <p:nvPr/>
-          </p:nvSpPr>
-          <p:spPr>
-            <a:xfrm>
-              <a:off x="1042563" y="4490549"/>
-              <a:ext cx="120316" cy="106947"/>
-            </a:xfrm>
-            <a:prstGeom prst="ellipse">
-              <a:avLst/>
-            </a:prstGeom>
+          </a:ln>
+          <a:effectLst/>
+        </p:spPr>
+        <p:style>
+          <a:lnRef idx="1">
+            <a:schemeClr val="accent1"/>
+          </a:lnRef>
+          <a:fillRef idx="3">
+            <a:schemeClr val="accent1"/>
+          </a:fillRef>
+          <a:effectRef idx="2">
+            <a:schemeClr val="accent1"/>
+          </a:effectRef>
+          <a:fontRef idx="minor">
+            <a:schemeClr val="lt1"/>
+          </a:fontRef>
+        </p:style>
+        <p:txBody>
+          <a:bodyPr rtlCol="0" anchor="ctr"/>
+          <a:lstStyle/>
+          <a:p>
+            <a:pPr algn="ctr"/>
+            <a:endParaRPr lang="en-US"/>
+          </a:p>
+        </p:txBody>
+      </p:sp>
+      <p:sp>
+        <p:nvSpPr>
+          <p:cNvPr id="10" name="Oval 9"/>
+          <p:cNvSpPr/>
+          <p:nvPr/>
+        </p:nvSpPr>
+        <p:spPr>
+          <a:xfrm>
+            <a:off x="1398819" y="4751803"/>
+            <a:ext cx="120316" cy="106947"/>
+          </a:xfrm>
+          <a:prstGeom prst="ellipse">
+            <a:avLst/>
+          </a:prstGeom>
+          <a:solidFill>
+            <a:srgbClr val="B451FF"/>
+          </a:solidFill>
+          <a:ln>
             <a:solidFill>
               <a:srgbClr val="B451FF"/>
             </a:solidFill>
-            <a:ln>
-              <a:solidFill>
-                <a:srgbClr val="B451FF"/>
-              </a:solidFill>
-            </a:ln>
-            <a:effectLst/>
-          </p:spPr>
-          <p:style>
-            <a:lnRef idx="1">
-              <a:schemeClr val="accent1"/>
-            </a:lnRef>
-            <a:fillRef idx="3">
-              <a:schemeClr val="accent1"/>
-            </a:fillRef>
-            <a:effectRef idx="2">
-              <a:schemeClr val="accent1"/>
-            </a:effectRef>
-            <a:fontRef idx="minor">
-              <a:schemeClr val="lt1"/>
-            </a:fontRef>
-          </p:style>
-          <p:txBody>
-            <a:bodyPr rtlCol="0" anchor="ctr"/>
-            <a:lstStyle/>
-            <a:p>
-              <a:pPr algn="ctr"/>
-              <a:endParaRPr lang="en-US"/>
-            </a:p>
-          </p:txBody>
-        </p:sp>
-        <p:sp>
-          <p:nvSpPr>
-            <p:cNvPr id="11" name="Oval 10"/>
-            <p:cNvSpPr/>
-            <p:nvPr/>
-          </p:nvSpPr>
-          <p:spPr>
-            <a:xfrm>
-              <a:off x="695252" y="5213172"/>
-              <a:ext cx="120316" cy="106947"/>
-            </a:xfrm>
-            <a:prstGeom prst="ellipse">
-              <a:avLst/>
-            </a:prstGeom>
+          </a:ln>
+          <a:effectLst/>
+        </p:spPr>
+        <p:style>
+          <a:lnRef idx="1">
+            <a:schemeClr val="accent1"/>
+          </a:lnRef>
+          <a:fillRef idx="3">
+            <a:schemeClr val="accent1"/>
+          </a:fillRef>
+          <a:effectRef idx="2">
+            <a:schemeClr val="accent1"/>
+          </a:effectRef>
+          <a:fontRef idx="minor">
+            <a:schemeClr val="lt1"/>
+          </a:fontRef>
+        </p:style>
+        <p:txBody>
+          <a:bodyPr rtlCol="0" anchor="ctr"/>
+          <a:lstStyle/>
+          <a:p>
+            <a:pPr algn="ctr"/>
+            <a:endParaRPr lang="en-US"/>
+          </a:p>
+        </p:txBody>
+      </p:sp>
+      <p:sp>
+        <p:nvSpPr>
+          <p:cNvPr id="11" name="Oval 10"/>
+          <p:cNvSpPr/>
+          <p:nvPr/>
+        </p:nvSpPr>
+        <p:spPr>
+          <a:xfrm>
+            <a:off x="1051508" y="5474426"/>
+            <a:ext cx="120316" cy="106947"/>
+          </a:xfrm>
+          <a:prstGeom prst="ellipse">
+            <a:avLst/>
+          </a:prstGeom>
+          <a:solidFill>
+            <a:srgbClr val="B451FF"/>
+          </a:solidFill>
+          <a:ln>
             <a:solidFill>
               <a:srgbClr val="B451FF"/>
             </a:solidFill>
-            <a:ln>
-              <a:solidFill>
-                <a:srgbClr val="B451FF"/>
-              </a:solidFill>
-            </a:ln>
-            <a:effectLst/>
-          </p:spPr>
-          <p:style>
-            <a:lnRef idx="1">
-              <a:schemeClr val="accent1"/>
-            </a:lnRef>
-            <a:fillRef idx="3">
-              <a:schemeClr val="accent1"/>
-            </a:fillRef>
-            <a:effectRef idx="2">
-              <a:schemeClr val="accent1"/>
-            </a:effectRef>
-            <a:fontRef idx="minor">
-              <a:schemeClr val="lt1"/>
-            </a:fontRef>
-          </p:style>
-          <p:txBody>
-            <a:bodyPr rtlCol="0" anchor="ctr"/>
-            <a:lstStyle/>
-            <a:p>
-              <a:pPr algn="ctr"/>
-              <a:endParaRPr lang="en-US"/>
-            </a:p>
-          </p:txBody>
-        </p:sp>
-        <p:sp>
-          <p:nvSpPr>
-            <p:cNvPr id="12" name="Oval 11"/>
-            <p:cNvSpPr/>
-            <p:nvPr/>
-          </p:nvSpPr>
-          <p:spPr>
-            <a:xfrm>
-              <a:off x="854470" y="4916355"/>
-              <a:ext cx="120316" cy="106947"/>
-            </a:xfrm>
-            <a:prstGeom prst="ellipse">
-              <a:avLst/>
-            </a:prstGeom>
+          </a:ln>
+          <a:effectLst/>
+        </p:spPr>
+        <p:style>
+          <a:lnRef idx="1">
+            <a:schemeClr val="accent1"/>
+          </a:lnRef>
+          <a:fillRef idx="3">
+            <a:schemeClr val="accent1"/>
+          </a:fillRef>
+          <a:effectRef idx="2">
+            <a:schemeClr val="accent1"/>
+          </a:effectRef>
+          <a:fontRef idx="minor">
+            <a:schemeClr val="lt1"/>
+          </a:fontRef>
+        </p:style>
+        <p:txBody>
+          <a:bodyPr rtlCol="0" anchor="ctr"/>
+          <a:lstStyle/>
+          <a:p>
+            <a:pPr algn="ctr"/>
+            <a:endParaRPr lang="en-US"/>
+          </a:p>
+        </p:txBody>
+      </p:sp>
+      <p:sp>
+        <p:nvSpPr>
+          <p:cNvPr id="12" name="Oval 11"/>
+          <p:cNvSpPr/>
+          <p:nvPr/>
+        </p:nvSpPr>
+        <p:spPr>
+          <a:xfrm>
+            <a:off x="1210726" y="5177609"/>
+            <a:ext cx="120316" cy="106947"/>
+          </a:xfrm>
+          <a:prstGeom prst="ellipse">
+            <a:avLst/>
+          </a:prstGeom>
+          <a:solidFill>
+            <a:srgbClr val="B451FF"/>
+          </a:solidFill>
+          <a:ln>
             <a:solidFill>
               <a:srgbClr val="B451FF"/>
             </a:solidFill>
-            <a:ln>
-              <a:solidFill>
-                <a:srgbClr val="B451FF"/>
-              </a:solidFill>
-            </a:ln>
-            <a:effectLst/>
-          </p:spPr>
-          <p:style>
-            <a:lnRef idx="1">
-              <a:schemeClr val="accent1"/>
-            </a:lnRef>
-            <a:fillRef idx="3">
-              <a:schemeClr val="accent1"/>
-            </a:fillRef>
-            <a:effectRef idx="2">
-              <a:schemeClr val="accent1"/>
-            </a:effectRef>
-            <a:fontRef idx="minor">
-              <a:schemeClr val="lt1"/>
-            </a:fontRef>
-          </p:style>
-          <p:txBody>
-            <a:bodyPr rtlCol="0" anchor="ctr"/>
-            <a:lstStyle/>
-            <a:p>
-              <a:pPr algn="ctr"/>
-              <a:endParaRPr lang="en-US"/>
-            </a:p>
-          </p:txBody>
-        </p:sp>
-        <p:sp>
-          <p:nvSpPr>
-            <p:cNvPr id="13" name="Oval 12"/>
-            <p:cNvSpPr/>
-            <p:nvPr/>
-          </p:nvSpPr>
-          <p:spPr>
-            <a:xfrm>
-              <a:off x="1434659" y="4734544"/>
-              <a:ext cx="120316" cy="106947"/>
-            </a:xfrm>
-            <a:prstGeom prst="ellipse">
-              <a:avLst/>
-            </a:prstGeom>
+          </a:ln>
+          <a:effectLst/>
+        </p:spPr>
+        <p:style>
+          <a:lnRef idx="1">
+            <a:schemeClr val="accent1"/>
+          </a:lnRef>
+          <a:fillRef idx="3">
+            <a:schemeClr val="accent1"/>
+          </a:fillRef>
+          <a:effectRef idx="2">
+            <a:schemeClr val="accent1"/>
+          </a:effectRef>
+          <a:fontRef idx="minor">
+            <a:schemeClr val="lt1"/>
+          </a:fontRef>
+        </p:style>
+        <p:txBody>
+          <a:bodyPr rtlCol="0" anchor="ctr"/>
+          <a:lstStyle/>
+          <a:p>
+            <a:pPr algn="ctr"/>
+            <a:endParaRPr lang="en-US"/>
+          </a:p>
+        </p:txBody>
+      </p:sp>
+      <p:sp>
+        <p:nvSpPr>
+          <p:cNvPr id="13" name="Oval 12"/>
+          <p:cNvSpPr/>
+          <p:nvPr/>
+        </p:nvSpPr>
+        <p:spPr>
+          <a:xfrm>
+            <a:off x="1790915" y="4995798"/>
+            <a:ext cx="120316" cy="106947"/>
+          </a:xfrm>
+          <a:prstGeom prst="ellipse">
+            <a:avLst/>
+          </a:prstGeom>
+          <a:solidFill>
+            <a:srgbClr val="B451FF"/>
+          </a:solidFill>
+          <a:ln>
             <a:solidFill>
               <a:srgbClr val="B451FF"/>
             </a:solidFill>
-            <a:ln>
-              <a:solidFill>
-                <a:srgbClr val="B451FF"/>
-              </a:solidFill>
-            </a:ln>
-            <a:effectLst/>
-          </p:spPr>
-          <p:style>
-            <a:lnRef idx="1">
-              <a:schemeClr val="accent1"/>
-            </a:lnRef>
-            <a:fillRef idx="3">
-              <a:schemeClr val="accent1"/>
-            </a:fillRef>
-            <a:effectRef idx="2">
-              <a:schemeClr val="accent1"/>
-            </a:effectRef>
-            <a:fontRef idx="minor">
-              <a:schemeClr val="lt1"/>
-            </a:fontRef>
-          </p:style>
-          <p:txBody>
-            <a:bodyPr rtlCol="0" anchor="ctr"/>
-            <a:lstStyle/>
-            <a:p>
-              <a:pPr algn="ctr"/>
-              <a:endParaRPr lang="en-US"/>
-            </a:p>
-          </p:txBody>
-        </p:sp>
-        <p:sp>
-          <p:nvSpPr>
-            <p:cNvPr id="14" name="Oval 13"/>
-            <p:cNvSpPr/>
-            <p:nvPr/>
-          </p:nvSpPr>
-          <p:spPr>
-            <a:xfrm>
-              <a:off x="1405515" y="5083709"/>
-              <a:ext cx="120316" cy="106947"/>
-            </a:xfrm>
-            <a:prstGeom prst="ellipse">
-              <a:avLst/>
-            </a:prstGeom>
+          </a:ln>
+          <a:effectLst/>
+        </p:spPr>
+        <p:style>
+          <a:lnRef idx="1">
+            <a:schemeClr val="accent1"/>
+          </a:lnRef>
+          <a:fillRef idx="3">
+            <a:schemeClr val="accent1"/>
+          </a:fillRef>
+          <a:effectRef idx="2">
+            <a:schemeClr val="accent1"/>
+          </a:effectRef>
+          <a:fontRef idx="minor">
+            <a:schemeClr val="lt1"/>
+          </a:fontRef>
+        </p:style>
+        <p:txBody>
+          <a:bodyPr rtlCol="0" anchor="ctr"/>
+          <a:lstStyle/>
+          <a:p>
+            <a:pPr algn="ctr"/>
+            <a:endParaRPr lang="en-US"/>
+          </a:p>
+        </p:txBody>
+      </p:sp>
+      <p:sp>
+        <p:nvSpPr>
+          <p:cNvPr id="14" name="Oval 13"/>
+          <p:cNvSpPr/>
+          <p:nvPr/>
+        </p:nvSpPr>
+        <p:spPr>
+          <a:xfrm>
+            <a:off x="1761771" y="5344963"/>
+            <a:ext cx="120316" cy="106947"/>
+          </a:xfrm>
+          <a:prstGeom prst="ellipse">
+            <a:avLst/>
+          </a:prstGeom>
+          <a:solidFill>
+            <a:srgbClr val="B451FF"/>
+          </a:solidFill>
+          <a:ln>
             <a:solidFill>
               <a:srgbClr val="B451FF"/>
             </a:solidFill>
-            <a:ln>
-              <a:solidFill>
-                <a:srgbClr val="B451FF"/>
-              </a:solidFill>
-            </a:ln>
-            <a:effectLst/>
-          </p:spPr>
-          <p:style>
-            <a:lnRef idx="1">
-              <a:schemeClr val="accent1"/>
-            </a:lnRef>
-            <a:fillRef idx="3">
-              <a:schemeClr val="accent1"/>
-            </a:fillRef>
-            <a:effectRef idx="2">
-              <a:schemeClr val="accent1"/>
-            </a:effectRef>
-            <a:fontRef idx="minor">
-              <a:schemeClr val="lt1"/>
-            </a:fontRef>
-          </p:style>
-          <p:txBody>
-            <a:bodyPr rtlCol="0" anchor="ctr"/>
-            <a:lstStyle/>
-            <a:p>
-              <a:pPr algn="ctr"/>
-              <a:endParaRPr lang="en-US"/>
-            </a:p>
-          </p:txBody>
-        </p:sp>
-        <p:sp>
-          <p:nvSpPr>
-            <p:cNvPr id="15" name="Oval 14"/>
-            <p:cNvSpPr/>
-            <p:nvPr/>
-          </p:nvSpPr>
-          <p:spPr>
-            <a:xfrm>
-              <a:off x="1097775" y="4878924"/>
-              <a:ext cx="120316" cy="106947"/>
-            </a:xfrm>
-            <a:prstGeom prst="ellipse">
-              <a:avLst/>
-            </a:prstGeom>
+          </a:ln>
+          <a:effectLst/>
+        </p:spPr>
+        <p:style>
+          <a:lnRef idx="1">
+            <a:schemeClr val="accent1"/>
+          </a:lnRef>
+          <a:fillRef idx="3">
+            <a:schemeClr val="accent1"/>
+          </a:fillRef>
+          <a:effectRef idx="2">
+            <a:schemeClr val="accent1"/>
+          </a:effectRef>
+          <a:fontRef idx="minor">
+            <a:schemeClr val="lt1"/>
+          </a:fontRef>
+        </p:style>
+        <p:txBody>
+          <a:bodyPr rtlCol="0" anchor="ctr"/>
+          <a:lstStyle/>
+          <a:p>
+            <a:pPr algn="ctr"/>
+            <a:endParaRPr lang="en-US"/>
+          </a:p>
+        </p:txBody>
+      </p:sp>
+      <p:sp>
+        <p:nvSpPr>
+          <p:cNvPr id="15" name="Oval 14"/>
+          <p:cNvSpPr/>
+          <p:nvPr/>
+        </p:nvSpPr>
+        <p:spPr>
+          <a:xfrm>
+            <a:off x="1454031" y="5140178"/>
+            <a:ext cx="120316" cy="106947"/>
+          </a:xfrm>
+          <a:prstGeom prst="ellipse">
+            <a:avLst/>
+          </a:prstGeom>
+          <a:solidFill>
+            <a:srgbClr val="B451FF"/>
+          </a:solidFill>
+          <a:ln>
             <a:solidFill>
               <a:srgbClr val="B451FF"/>
             </a:solidFill>
-            <a:ln>
-              <a:solidFill>
-                <a:srgbClr val="B451FF"/>
-              </a:solidFill>
-            </a:ln>
-            <a:effectLst/>
-          </p:spPr>
-          <p:style>
-            <a:lnRef idx="1">
-              <a:schemeClr val="accent1"/>
-            </a:lnRef>
-            <a:fillRef idx="3">
-              <a:schemeClr val="accent1"/>
-            </a:fillRef>
-            <a:effectRef idx="2">
-              <a:schemeClr val="accent1"/>
-            </a:effectRef>
-            <a:fontRef idx="minor">
-              <a:schemeClr val="lt1"/>
-            </a:fontRef>
-          </p:style>
-          <p:txBody>
-            <a:bodyPr rtlCol="0" anchor="ctr"/>
-            <a:lstStyle/>
-            <a:p>
-              <a:pPr algn="ctr"/>
-              <a:endParaRPr lang="en-US"/>
-            </a:p>
-          </p:txBody>
-        </p:sp>
-        <p:sp>
-          <p:nvSpPr>
-            <p:cNvPr id="16" name="Oval 15"/>
-            <p:cNvSpPr/>
-            <p:nvPr/>
-          </p:nvSpPr>
-          <p:spPr>
-            <a:xfrm>
-              <a:off x="1152298" y="5329805"/>
-              <a:ext cx="120316" cy="106947"/>
-            </a:xfrm>
-            <a:prstGeom prst="ellipse">
-              <a:avLst/>
-            </a:prstGeom>
+          </a:ln>
+          <a:effectLst/>
+        </p:spPr>
+        <p:style>
+          <a:lnRef idx="1">
+            <a:schemeClr val="accent1"/>
+          </a:lnRef>
+          <a:fillRef idx="3">
+            <a:schemeClr val="accent1"/>
+          </a:fillRef>
+          <a:effectRef idx="2">
+            <a:schemeClr val="accent1"/>
+          </a:effectRef>
+          <a:fontRef idx="minor">
+            <a:schemeClr val="lt1"/>
+          </a:fontRef>
+        </p:style>
+        <p:txBody>
+          <a:bodyPr rtlCol="0" anchor="ctr"/>
+          <a:lstStyle/>
+          <a:p>
+            <a:pPr algn="ctr"/>
+            <a:endParaRPr lang="en-US"/>
+          </a:p>
+        </p:txBody>
+      </p:sp>
+      <p:sp>
+        <p:nvSpPr>
+          <p:cNvPr id="16" name="Oval 15"/>
+          <p:cNvSpPr/>
+          <p:nvPr/>
+        </p:nvSpPr>
+        <p:spPr>
+          <a:xfrm>
+            <a:off x="1508554" y="5591059"/>
+            <a:ext cx="120316" cy="106947"/>
+          </a:xfrm>
+          <a:prstGeom prst="ellipse">
+            <a:avLst/>
+          </a:prstGeom>
+          <a:solidFill>
+            <a:srgbClr val="B451FF"/>
+          </a:solidFill>
+          <a:ln>
             <a:solidFill>
               <a:srgbClr val="B451FF"/>
             </a:solidFill>
-            <a:ln>
-              <a:solidFill>
-                <a:srgbClr val="B451FF"/>
-              </a:solidFill>
-            </a:ln>
-            <a:effectLst/>
-          </p:spPr>
-          <p:style>
-            <a:lnRef idx="1">
-              <a:schemeClr val="accent1"/>
-            </a:lnRef>
-            <a:fillRef idx="3">
-              <a:schemeClr val="accent1"/>
-            </a:fillRef>
-            <a:effectRef idx="2">
-              <a:schemeClr val="accent1"/>
-            </a:effectRef>
-            <a:fontRef idx="minor">
-              <a:schemeClr val="lt1"/>
-            </a:fontRef>
-          </p:style>
-          <p:txBody>
-            <a:bodyPr rtlCol="0" anchor="ctr"/>
-            <a:lstStyle/>
-            <a:p>
-              <a:pPr algn="ctr"/>
-              <a:endParaRPr lang="en-US"/>
-            </a:p>
-          </p:txBody>
-        </p:sp>
-        <p:sp>
-          <p:nvSpPr>
-            <p:cNvPr id="20" name="Textfeld 21"/>
-            <p:cNvSpPr txBox="1"/>
-            <p:nvPr/>
-          </p:nvSpPr>
-          <p:spPr>
-            <a:xfrm>
-              <a:off x="2035293" y="108115"/>
-              <a:ext cx="2058038" cy="646331"/>
-            </a:xfrm>
-            <a:prstGeom prst="rect">
-              <a:avLst/>
-            </a:prstGeom>
-            <a:noFill/>
-          </p:spPr>
-          <p:txBody>
-            <a:bodyPr wrap="none" rtlCol="0">
-              <a:spAutoFit/>
-            </a:bodyPr>
-            <a:lstStyle/>
-            <a:p>
-              <a:r>
-                <a:rPr lang="en-US" dirty="0" smtClean="0">
-                  <a:solidFill>
-                    <a:schemeClr val="accent1"/>
-                  </a:solidFill>
-                </a:rPr>
-                <a:t>Fourier transform</a:t>
-              </a:r>
-              <a:br>
-                <a:rPr lang="en-US" dirty="0" smtClean="0">
-                  <a:solidFill>
-                    <a:schemeClr val="accent1"/>
-                  </a:solidFill>
-                </a:rPr>
-              </a:br>
-              <a:r>
-                <a:rPr lang="en-US" dirty="0" smtClean="0">
-                  <a:solidFill>
-                    <a:schemeClr val="accent1"/>
-                  </a:solidFill>
-                </a:rPr>
-                <a:t>of electron density</a:t>
-              </a:r>
-              <a:endParaRPr lang="en-US" dirty="0">
-                <a:solidFill>
-                  <a:schemeClr val="accent1"/>
-                </a:solidFill>
-              </a:endParaRPr>
-            </a:p>
-          </p:txBody>
-        </p:sp>
-        <p:sp>
-          <p:nvSpPr>
-            <p:cNvPr id="21" name="Pfeil nach rechts 22"/>
-            <p:cNvSpPr/>
-            <p:nvPr/>
-          </p:nvSpPr>
-          <p:spPr>
-            <a:xfrm>
-              <a:off x="2294954" y="736340"/>
-              <a:ext cx="1220147" cy="360947"/>
-            </a:xfrm>
-            <a:prstGeom prst="rightArrow">
-              <a:avLst/>
-            </a:prstGeom>
+          </a:ln>
+          <a:effectLst/>
+        </p:spPr>
+        <p:style>
+          <a:lnRef idx="1">
+            <a:schemeClr val="accent1"/>
+          </a:lnRef>
+          <a:fillRef idx="3">
+            <a:schemeClr val="accent1"/>
+          </a:fillRef>
+          <a:effectRef idx="2">
+            <a:schemeClr val="accent1"/>
+          </a:effectRef>
+          <a:fontRef idx="minor">
+            <a:schemeClr val="lt1"/>
+          </a:fontRef>
+        </p:style>
+        <p:txBody>
+          <a:bodyPr rtlCol="0" anchor="ctr"/>
+          <a:lstStyle/>
+          <a:p>
+            <a:pPr algn="ctr"/>
+            <a:endParaRPr lang="en-US"/>
+          </a:p>
+        </p:txBody>
+      </p:sp>
+      <p:sp>
+        <p:nvSpPr>
+          <p:cNvPr id="21" name="Pfeil nach rechts 22"/>
+          <p:cNvSpPr/>
+          <p:nvPr/>
+        </p:nvSpPr>
+        <p:spPr>
+          <a:xfrm>
+            <a:off x="2136942" y="890646"/>
+            <a:ext cx="2008412" cy="527269"/>
+          </a:xfrm>
+          <a:prstGeom prst="rightArrow">
+            <a:avLst/>
+          </a:prstGeom>
+          <a:solidFill>
+            <a:schemeClr val="accent1"/>
+          </a:solidFill>
+          <a:effectLst/>
+        </p:spPr>
+        <p:style>
+          <a:lnRef idx="1">
+            <a:schemeClr val="accent1"/>
+          </a:lnRef>
+          <a:fillRef idx="3">
+            <a:schemeClr val="accent1"/>
+          </a:fillRef>
+          <a:effectRef idx="2">
+            <a:schemeClr val="accent1"/>
+          </a:effectRef>
+          <a:fontRef idx="minor">
+            <a:schemeClr val="lt1"/>
+          </a:fontRef>
+        </p:style>
+        <p:txBody>
+          <a:bodyPr rtlCol="0" anchor="ctr"/>
+          <a:lstStyle/>
+          <a:p>
+            <a:pPr algn="ctr"/>
+            <a:r>
+              <a:rPr lang="en-US" dirty="0" smtClean="0"/>
+              <a:t>Fourier Transform</a:t>
+            </a:r>
+            <a:endParaRPr lang="en-US" dirty="0"/>
+          </a:p>
+        </p:txBody>
+      </p:sp>
+      <p:sp>
+        <p:nvSpPr>
+          <p:cNvPr id="25" name="Textfeld 26"/>
+          <p:cNvSpPr txBox="1"/>
+          <p:nvPr/>
+        </p:nvSpPr>
+        <p:spPr>
+          <a:xfrm>
+            <a:off x="730059" y="1617529"/>
+            <a:ext cx="1457835" cy="369332"/>
+          </a:xfrm>
+          <a:prstGeom prst="rect">
+            <a:avLst/>
+          </a:prstGeom>
+          <a:noFill/>
+        </p:spPr>
+        <p:txBody>
+          <a:bodyPr wrap="none" rtlCol="0">
+            <a:spAutoFit/>
+          </a:bodyPr>
+          <a:lstStyle/>
+          <a:p>
+            <a:r>
+              <a:rPr lang="en-US" dirty="0" smtClean="0"/>
+              <a:t>One </a:t>
+            </a:r>
+            <a:r>
+              <a:rPr lang="en-US" dirty="0" err="1" smtClean="0"/>
+              <a:t>scatterer</a:t>
+            </a:r>
+            <a:endParaRPr lang="en-US" dirty="0"/>
+          </a:p>
+        </p:txBody>
+      </p:sp>
+      <p:sp>
+        <p:nvSpPr>
+          <p:cNvPr id="26" name="Textfeld 27"/>
+          <p:cNvSpPr txBox="1"/>
+          <p:nvPr/>
+        </p:nvSpPr>
+        <p:spPr>
+          <a:xfrm>
+            <a:off x="671133" y="4083747"/>
+            <a:ext cx="1536383" cy="369332"/>
+          </a:xfrm>
+          <a:prstGeom prst="rect">
+            <a:avLst/>
+          </a:prstGeom>
+          <a:noFill/>
+        </p:spPr>
+        <p:txBody>
+          <a:bodyPr wrap="none" rtlCol="0">
+            <a:spAutoFit/>
+          </a:bodyPr>
+          <a:lstStyle/>
+          <a:p>
+            <a:r>
+              <a:rPr lang="en-US" dirty="0" smtClean="0"/>
+              <a:t>Few </a:t>
+            </a:r>
+            <a:r>
+              <a:rPr lang="en-US" dirty="0" err="1" smtClean="0"/>
+              <a:t>scatterers</a:t>
+            </a:r>
+            <a:endParaRPr lang="en-US" dirty="0"/>
+          </a:p>
+        </p:txBody>
+      </p:sp>
+      <p:sp>
+        <p:nvSpPr>
+          <p:cNvPr id="27" name="TextBox 26"/>
+          <p:cNvSpPr txBox="1"/>
+          <p:nvPr/>
+        </p:nvSpPr>
+        <p:spPr>
+          <a:xfrm>
+            <a:off x="475385" y="973844"/>
+            <a:ext cx="1709763" cy="369332"/>
+          </a:xfrm>
+          <a:prstGeom prst="rect">
+            <a:avLst/>
+          </a:prstGeom>
+          <a:noFill/>
+        </p:spPr>
+        <p:txBody>
+          <a:bodyPr wrap="none" rtlCol="0">
+            <a:spAutoFit/>
+          </a:bodyPr>
+          <a:lstStyle/>
+          <a:p>
+            <a:r>
+              <a:rPr lang="en-US" b="1" dirty="0" smtClean="0"/>
+              <a:t>Core-shell types</a:t>
+            </a:r>
+            <a:endParaRPr lang="en-US" b="1" dirty="0"/>
+          </a:p>
+        </p:txBody>
+      </p:sp>
+      <p:sp>
+        <p:nvSpPr>
+          <p:cNvPr id="28" name="Oval 27"/>
+          <p:cNvSpPr/>
+          <p:nvPr/>
+        </p:nvSpPr>
+        <p:spPr>
+          <a:xfrm>
+            <a:off x="824378" y="7206138"/>
+            <a:ext cx="1359569" cy="1383876"/>
+          </a:xfrm>
+          <a:prstGeom prst="ellipse">
+            <a:avLst/>
+          </a:prstGeom>
+          <a:solidFill>
+            <a:srgbClr val="FF8733"/>
+          </a:solidFill>
+          <a:ln>
             <a:solidFill>
-              <a:schemeClr val="accent1"/>
+              <a:schemeClr val="accent4"/>
             </a:solidFill>
-            <a:effectLst/>
-          </p:spPr>
-          <p:style>
-            <a:lnRef idx="1">
-              <a:schemeClr val="accent1"/>
-            </a:lnRef>
-            <a:fillRef idx="3">
-              <a:schemeClr val="accent1"/>
-            </a:fillRef>
-            <a:effectRef idx="2">
-              <a:schemeClr val="accent1"/>
-            </a:effectRef>
-            <a:fontRef idx="minor">
-              <a:schemeClr val="lt1"/>
-            </a:fontRef>
-          </p:style>
-          <p:txBody>
-            <a:bodyPr rtlCol="0" anchor="ctr"/>
-            <a:lstStyle/>
-            <a:p>
-              <a:pPr algn="ctr"/>
-              <a:endParaRPr lang="en-US"/>
-            </a:p>
-          </p:txBody>
-        </p:sp>
-        <p:sp>
-          <p:nvSpPr>
-            <p:cNvPr id="25" name="Textfeld 26"/>
-            <p:cNvSpPr txBox="1"/>
-            <p:nvPr/>
-          </p:nvSpPr>
-          <p:spPr>
-            <a:xfrm>
-              <a:off x="279926" y="1344279"/>
-              <a:ext cx="1457835" cy="369332"/>
-            </a:xfrm>
-            <a:prstGeom prst="rect">
-              <a:avLst/>
-            </a:prstGeom>
-            <a:noFill/>
-          </p:spPr>
-          <p:txBody>
-            <a:bodyPr wrap="none" rtlCol="0">
-              <a:spAutoFit/>
-            </a:bodyPr>
-            <a:lstStyle/>
-            <a:p>
-              <a:r>
-                <a:rPr lang="en-US" dirty="0" smtClean="0"/>
-                <a:t>One </a:t>
-              </a:r>
-              <a:r>
-                <a:rPr lang="en-US" dirty="0" err="1" smtClean="0"/>
-                <a:t>scatterer</a:t>
-              </a:r>
-              <a:endParaRPr lang="en-US" dirty="0"/>
-            </a:p>
-          </p:txBody>
-        </p:sp>
-        <p:sp>
-          <p:nvSpPr>
-            <p:cNvPr id="26" name="Textfeld 27"/>
-            <p:cNvSpPr txBox="1"/>
-            <p:nvPr/>
-          </p:nvSpPr>
-          <p:spPr>
-            <a:xfrm>
-              <a:off x="279926" y="3810620"/>
-              <a:ext cx="1450525" cy="369332"/>
-            </a:xfrm>
-            <a:prstGeom prst="rect">
-              <a:avLst/>
-            </a:prstGeom>
-            <a:noFill/>
-          </p:spPr>
-          <p:txBody>
-            <a:bodyPr wrap="none" rtlCol="0">
-              <a:spAutoFit/>
-            </a:bodyPr>
-            <a:lstStyle/>
-            <a:p>
-              <a:r>
-                <a:rPr lang="en-US" dirty="0" smtClean="0"/>
-                <a:t>Few </a:t>
-              </a:r>
-              <a:r>
-                <a:rPr lang="en-US" dirty="0" err="1" smtClean="0"/>
-                <a:t>scatterer</a:t>
-              </a:r>
-              <a:endParaRPr lang="en-US" dirty="0"/>
-            </a:p>
-          </p:txBody>
-        </p:sp>
-        <p:sp>
-          <p:nvSpPr>
-            <p:cNvPr id="27" name="TextBox 26"/>
-            <p:cNvSpPr txBox="1"/>
-            <p:nvPr/>
-          </p:nvSpPr>
-          <p:spPr>
-            <a:xfrm>
-              <a:off x="107254" y="736340"/>
-              <a:ext cx="1709763" cy="369332"/>
-            </a:xfrm>
-            <a:prstGeom prst="rect">
-              <a:avLst/>
-            </a:prstGeom>
-            <a:noFill/>
-          </p:spPr>
-          <p:txBody>
-            <a:bodyPr wrap="none" rtlCol="0">
-              <a:spAutoFit/>
-            </a:bodyPr>
-            <a:lstStyle/>
-            <a:p>
-              <a:r>
-                <a:rPr lang="en-US" b="1" dirty="0" smtClean="0"/>
-                <a:t>Core-shell types</a:t>
-              </a:r>
-              <a:endParaRPr lang="en-US" b="1" dirty="0"/>
-            </a:p>
-          </p:txBody>
-        </p:sp>
-        <p:sp>
-          <p:nvSpPr>
-            <p:cNvPr id="28" name="Oval 27"/>
-            <p:cNvSpPr/>
-            <p:nvPr/>
-          </p:nvSpPr>
-          <p:spPr>
-            <a:xfrm>
-              <a:off x="468122" y="6944884"/>
-              <a:ext cx="1359569" cy="1383876"/>
-            </a:xfrm>
-            <a:prstGeom prst="ellipse">
-              <a:avLst/>
-            </a:prstGeom>
-            <a:solidFill>
-              <a:srgbClr val="FF8733"/>
-            </a:solidFill>
-            <a:ln>
-              <a:solidFill>
-                <a:schemeClr val="accent4"/>
-              </a:solidFill>
-            </a:ln>
-            <a:effectLst/>
-          </p:spPr>
-          <p:style>
-            <a:lnRef idx="1">
-              <a:schemeClr val="accent1"/>
-            </a:lnRef>
-            <a:fillRef idx="3">
-              <a:schemeClr val="accent1"/>
-            </a:fillRef>
-            <a:effectRef idx="2">
-              <a:schemeClr val="accent1"/>
-            </a:effectRef>
-            <a:fontRef idx="minor">
-              <a:schemeClr val="lt1"/>
-            </a:fontRef>
-          </p:style>
-          <p:txBody>
-            <a:bodyPr rtlCol="0" anchor="ctr"/>
-            <a:lstStyle/>
-            <a:p>
-              <a:pPr algn="ctr"/>
-              <a:endParaRPr lang="en-US"/>
-            </a:p>
-          </p:txBody>
-        </p:sp>
-        <p:sp>
-          <p:nvSpPr>
-            <p:cNvPr id="29" name="TextBox 28"/>
-            <p:cNvSpPr txBox="1"/>
-            <p:nvPr/>
-          </p:nvSpPr>
-          <p:spPr>
-            <a:xfrm>
-              <a:off x="252868" y="6316572"/>
-              <a:ext cx="1597938" cy="369332"/>
-            </a:xfrm>
-            <a:prstGeom prst="rect">
-              <a:avLst/>
-            </a:prstGeom>
-            <a:noFill/>
-          </p:spPr>
-          <p:txBody>
-            <a:bodyPr wrap="none" rtlCol="0">
-              <a:spAutoFit/>
-            </a:bodyPr>
-            <a:lstStyle/>
-            <a:p>
-              <a:r>
-                <a:rPr lang="en-US" dirty="0" smtClean="0"/>
-                <a:t>Many </a:t>
-              </a:r>
-              <a:r>
-                <a:rPr lang="en-US" dirty="0" err="1" smtClean="0"/>
-                <a:t>scatterer</a:t>
-              </a:r>
-              <a:endParaRPr lang="en-US" dirty="0"/>
-            </a:p>
-          </p:txBody>
-        </p:sp>
-        <p:sp>
-          <p:nvSpPr>
-            <p:cNvPr id="30" name="TextBox 29"/>
-            <p:cNvSpPr txBox="1"/>
-            <p:nvPr/>
-          </p:nvSpPr>
-          <p:spPr>
-            <a:xfrm>
-              <a:off x="4334498" y="736340"/>
-              <a:ext cx="2059153" cy="369332"/>
-            </a:xfrm>
-            <a:prstGeom prst="rect">
-              <a:avLst/>
-            </a:prstGeom>
-            <a:noFill/>
-          </p:spPr>
-          <p:txBody>
-            <a:bodyPr wrap="none" rtlCol="0">
-              <a:spAutoFit/>
-            </a:bodyPr>
-            <a:lstStyle/>
-            <a:p>
-              <a:r>
-                <a:rPr lang="en-US" b="1" dirty="0" smtClean="0"/>
-                <a:t>Diffraction patterns</a:t>
-              </a:r>
-              <a:endParaRPr lang="en-US" b="1" dirty="0"/>
-            </a:p>
-          </p:txBody>
-        </p:sp>
-        <p:pic>
-          <p:nvPicPr>
-            <p:cNvPr id="32" name="Picture 31"/>
-            <p:cNvPicPr>
-              <a:picLocks noChangeAspect="1"/>
-            </p:cNvPicPr>
-            <p:nvPr/>
-          </p:nvPicPr>
-          <p:blipFill>
-            <a:blip r:embed="rId2">
-              <a:extLst>
-                <a:ext uri="{28A0092B-C50C-407E-A947-70E740481C1C}">
-                  <a14:useLocalDpi xmlns:a14="http://schemas.microsoft.com/office/drawing/2010/main" val="0"/>
-                </a:ext>
-              </a:extLst>
-            </a:blip>
-            <a:stretch>
-              <a:fillRect/>
-            </a:stretch>
-          </p:blipFill>
-          <p:spPr>
-            <a:xfrm>
-              <a:off x="2753694" y="1338380"/>
-              <a:ext cx="4080593" cy="2552788"/>
-            </a:xfrm>
-            <a:prstGeom prst="rect">
-              <a:avLst/>
-            </a:prstGeom>
-          </p:spPr>
-        </p:pic>
-        <p:pic>
-          <p:nvPicPr>
-            <p:cNvPr id="33" name="Picture 32"/>
-            <p:cNvPicPr>
-              <a:picLocks noChangeAspect="1"/>
-            </p:cNvPicPr>
-            <p:nvPr/>
-          </p:nvPicPr>
-          <p:blipFill>
-            <a:blip r:embed="rId3">
-              <a:extLst>
-                <a:ext uri="{28A0092B-C50C-407E-A947-70E740481C1C}">
-                  <a14:useLocalDpi xmlns:a14="http://schemas.microsoft.com/office/drawing/2010/main" val="0"/>
-                </a:ext>
-              </a:extLst>
-            </a:blip>
-            <a:stretch>
-              <a:fillRect/>
-            </a:stretch>
-          </p:blipFill>
-          <p:spPr>
-            <a:xfrm>
-              <a:off x="2794307" y="3810620"/>
-              <a:ext cx="4020148" cy="2505952"/>
-            </a:xfrm>
-            <a:prstGeom prst="rect">
-              <a:avLst/>
-            </a:prstGeom>
-          </p:spPr>
-        </p:pic>
-        <p:sp>
-          <p:nvSpPr>
-            <p:cNvPr id="35" name="Oval 34"/>
-            <p:cNvSpPr/>
-            <p:nvPr/>
-          </p:nvSpPr>
-          <p:spPr>
-            <a:xfrm>
-              <a:off x="846315" y="7384385"/>
-              <a:ext cx="45719" cy="45719"/>
-            </a:xfrm>
-            <a:prstGeom prst="ellipse">
-              <a:avLst/>
-            </a:prstGeom>
+          </a:ln>
+          <a:effectLst/>
+        </p:spPr>
+        <p:style>
+          <a:lnRef idx="1">
+            <a:schemeClr val="accent1"/>
+          </a:lnRef>
+          <a:fillRef idx="3">
+            <a:schemeClr val="accent1"/>
+          </a:fillRef>
+          <a:effectRef idx="2">
+            <a:schemeClr val="accent1"/>
+          </a:effectRef>
+          <a:fontRef idx="minor">
+            <a:schemeClr val="lt1"/>
+          </a:fontRef>
+        </p:style>
+        <p:txBody>
+          <a:bodyPr rtlCol="0" anchor="ctr"/>
+          <a:lstStyle/>
+          <a:p>
+            <a:pPr algn="ctr"/>
+            <a:endParaRPr lang="en-US"/>
+          </a:p>
+        </p:txBody>
+      </p:sp>
+      <p:sp>
+        <p:nvSpPr>
+          <p:cNvPr id="29" name="TextBox 28"/>
+          <p:cNvSpPr txBox="1"/>
+          <p:nvPr/>
+        </p:nvSpPr>
+        <p:spPr>
+          <a:xfrm>
+            <a:off x="684590" y="6590105"/>
+            <a:ext cx="1683794" cy="369332"/>
+          </a:xfrm>
+          <a:prstGeom prst="rect">
+            <a:avLst/>
+          </a:prstGeom>
+          <a:noFill/>
+        </p:spPr>
+        <p:txBody>
+          <a:bodyPr wrap="none" rtlCol="0">
+            <a:spAutoFit/>
+          </a:bodyPr>
+          <a:lstStyle/>
+          <a:p>
+            <a:r>
+              <a:rPr lang="en-US" dirty="0" smtClean="0"/>
+              <a:t>Many </a:t>
+            </a:r>
+            <a:r>
+              <a:rPr lang="en-US" dirty="0" err="1" smtClean="0"/>
+              <a:t>scatterers</a:t>
+            </a:r>
+            <a:endParaRPr lang="en-US" dirty="0"/>
+          </a:p>
+        </p:txBody>
+      </p:sp>
+      <p:sp>
+        <p:nvSpPr>
+          <p:cNvPr id="30" name="TextBox 29"/>
+          <p:cNvSpPr txBox="1"/>
+          <p:nvPr/>
+        </p:nvSpPr>
+        <p:spPr>
+          <a:xfrm>
+            <a:off x="4133478" y="973844"/>
+            <a:ext cx="2059153" cy="369332"/>
+          </a:xfrm>
+          <a:prstGeom prst="rect">
+            <a:avLst/>
+          </a:prstGeom>
+          <a:noFill/>
+        </p:spPr>
+        <p:txBody>
+          <a:bodyPr wrap="none" rtlCol="0">
+            <a:spAutoFit/>
+          </a:bodyPr>
+          <a:lstStyle/>
+          <a:p>
+            <a:r>
+              <a:rPr lang="en-US" b="1" dirty="0" smtClean="0"/>
+              <a:t>Diffraction patterns</a:t>
+            </a:r>
+            <a:endParaRPr lang="en-US" b="1" dirty="0"/>
+          </a:p>
+        </p:txBody>
+      </p:sp>
+      <p:pic>
+        <p:nvPicPr>
+          <p:cNvPr id="32" name="Picture 31"/>
+          <p:cNvPicPr>
+            <a:picLocks noChangeAspect="1"/>
+          </p:cNvPicPr>
+          <p:nvPr/>
+        </p:nvPicPr>
+        <p:blipFill>
+          <a:blip r:embed="rId2">
+            <a:extLst>
+              <a:ext uri="{28A0092B-C50C-407E-A947-70E740481C1C}">
+                <a14:useLocalDpi xmlns:a14="http://schemas.microsoft.com/office/drawing/2010/main" val="0"/>
+              </a:ext>
+            </a:extLst>
+          </a:blip>
+          <a:stretch>
+            <a:fillRect/>
+          </a:stretch>
+        </p:blipFill>
+        <p:spPr>
+          <a:xfrm>
+            <a:off x="2492435" y="1600843"/>
+            <a:ext cx="4080593" cy="2550370"/>
+          </a:xfrm>
+          <a:prstGeom prst="rect">
+            <a:avLst/>
+          </a:prstGeom>
+        </p:spPr>
+      </p:pic>
+      <p:pic>
+        <p:nvPicPr>
+          <p:cNvPr id="33" name="Picture 32"/>
+          <p:cNvPicPr>
+            <a:picLocks noChangeAspect="1"/>
+          </p:cNvPicPr>
+          <p:nvPr/>
+        </p:nvPicPr>
+        <p:blipFill>
+          <a:blip r:embed="rId3">
+            <a:extLst>
+              <a:ext uri="{28A0092B-C50C-407E-A947-70E740481C1C}">
+                <a14:useLocalDpi xmlns:a14="http://schemas.microsoft.com/office/drawing/2010/main" val="0"/>
+              </a:ext>
+            </a:extLst>
+          </a:blip>
+          <a:stretch>
+            <a:fillRect/>
+          </a:stretch>
+        </p:blipFill>
+        <p:spPr>
+          <a:xfrm>
+            <a:off x="2492435" y="4071874"/>
+            <a:ext cx="4009523" cy="2505952"/>
+          </a:xfrm>
+          <a:prstGeom prst="rect">
+            <a:avLst/>
+          </a:prstGeom>
+        </p:spPr>
+      </p:pic>
+      <p:sp>
+        <p:nvSpPr>
+          <p:cNvPr id="35" name="Oval 34"/>
+          <p:cNvSpPr/>
+          <p:nvPr/>
+        </p:nvSpPr>
+        <p:spPr>
+          <a:xfrm>
+            <a:off x="1202571" y="7645639"/>
+            <a:ext cx="45719" cy="45719"/>
+          </a:xfrm>
+          <a:prstGeom prst="ellipse">
+            <a:avLst/>
+          </a:prstGeom>
+          <a:solidFill>
+            <a:srgbClr val="B451FF"/>
+          </a:solidFill>
+          <a:ln>
             <a:solidFill>
               <a:srgbClr val="B451FF"/>
             </a:solidFill>
-            <a:ln>
-              <a:solidFill>
-                <a:srgbClr val="B451FF"/>
-              </a:solidFill>
-            </a:ln>
-            <a:effectLst/>
-          </p:spPr>
-          <p:style>
-            <a:lnRef idx="1">
-              <a:schemeClr val="accent1"/>
-            </a:lnRef>
-            <a:fillRef idx="3">
-              <a:schemeClr val="accent1"/>
-            </a:fillRef>
-            <a:effectRef idx="2">
-              <a:schemeClr val="accent1"/>
-            </a:effectRef>
-            <a:fontRef idx="minor">
-              <a:schemeClr val="lt1"/>
-            </a:fontRef>
-          </p:style>
-          <p:txBody>
-            <a:bodyPr rtlCol="0" anchor="ctr"/>
-            <a:lstStyle/>
-            <a:p>
-              <a:pPr algn="ctr"/>
-              <a:endParaRPr lang="en-US"/>
-            </a:p>
-          </p:txBody>
-        </p:sp>
-        <p:sp>
-          <p:nvSpPr>
-            <p:cNvPr id="36" name="Oval 35"/>
-            <p:cNvSpPr/>
-            <p:nvPr/>
-          </p:nvSpPr>
-          <p:spPr>
-            <a:xfrm>
-              <a:off x="1138951" y="7326619"/>
-              <a:ext cx="45719" cy="45719"/>
-            </a:xfrm>
-            <a:prstGeom prst="ellipse">
-              <a:avLst/>
-            </a:prstGeom>
+          </a:ln>
+          <a:effectLst/>
+        </p:spPr>
+        <p:style>
+          <a:lnRef idx="1">
+            <a:schemeClr val="accent1"/>
+          </a:lnRef>
+          <a:fillRef idx="3">
+            <a:schemeClr val="accent1"/>
+          </a:fillRef>
+          <a:effectRef idx="2">
+            <a:schemeClr val="accent1"/>
+          </a:effectRef>
+          <a:fontRef idx="minor">
+            <a:schemeClr val="lt1"/>
+          </a:fontRef>
+        </p:style>
+        <p:txBody>
+          <a:bodyPr rtlCol="0" anchor="ctr"/>
+          <a:lstStyle/>
+          <a:p>
+            <a:pPr algn="ctr"/>
+            <a:endParaRPr lang="en-US"/>
+          </a:p>
+        </p:txBody>
+      </p:sp>
+      <p:sp>
+        <p:nvSpPr>
+          <p:cNvPr id="36" name="Oval 35"/>
+          <p:cNvSpPr/>
+          <p:nvPr/>
+        </p:nvSpPr>
+        <p:spPr>
+          <a:xfrm>
+            <a:off x="1495207" y="7587873"/>
+            <a:ext cx="45719" cy="45719"/>
+          </a:xfrm>
+          <a:prstGeom prst="ellipse">
+            <a:avLst/>
+          </a:prstGeom>
+          <a:solidFill>
+            <a:srgbClr val="B451FF"/>
+          </a:solidFill>
+          <a:ln>
             <a:solidFill>
               <a:srgbClr val="B451FF"/>
             </a:solidFill>
-            <a:ln>
-              <a:solidFill>
-                <a:srgbClr val="B451FF"/>
-              </a:solidFill>
-            </a:ln>
-            <a:effectLst/>
-          </p:spPr>
-          <p:style>
-            <a:lnRef idx="1">
-              <a:schemeClr val="accent1"/>
-            </a:lnRef>
-            <a:fillRef idx="3">
-              <a:schemeClr val="accent1"/>
-            </a:fillRef>
-            <a:effectRef idx="2">
-              <a:schemeClr val="accent1"/>
-            </a:effectRef>
-            <a:fontRef idx="minor">
-              <a:schemeClr val="lt1"/>
-            </a:fontRef>
-          </p:style>
-          <p:txBody>
-            <a:bodyPr rtlCol="0" anchor="ctr"/>
-            <a:lstStyle/>
-            <a:p>
-              <a:pPr algn="ctr"/>
-              <a:endParaRPr lang="en-US"/>
-            </a:p>
-          </p:txBody>
-        </p:sp>
-        <p:sp>
-          <p:nvSpPr>
-            <p:cNvPr id="37" name="Oval 36"/>
-            <p:cNvSpPr/>
-            <p:nvPr/>
-          </p:nvSpPr>
-          <p:spPr>
-            <a:xfrm>
-              <a:off x="815568" y="7697528"/>
-              <a:ext cx="45719" cy="45719"/>
-            </a:xfrm>
-            <a:prstGeom prst="ellipse">
-              <a:avLst/>
-            </a:prstGeom>
+          </a:ln>
+          <a:effectLst/>
+        </p:spPr>
+        <p:style>
+          <a:lnRef idx="1">
+            <a:schemeClr val="accent1"/>
+          </a:lnRef>
+          <a:fillRef idx="3">
+            <a:schemeClr val="accent1"/>
+          </a:fillRef>
+          <a:effectRef idx="2">
+            <a:schemeClr val="accent1"/>
+          </a:effectRef>
+          <a:fontRef idx="minor">
+            <a:schemeClr val="lt1"/>
+          </a:fontRef>
+        </p:style>
+        <p:txBody>
+          <a:bodyPr rtlCol="0" anchor="ctr"/>
+          <a:lstStyle/>
+          <a:p>
+            <a:pPr algn="ctr"/>
+            <a:endParaRPr lang="en-US"/>
+          </a:p>
+        </p:txBody>
+      </p:sp>
+      <p:sp>
+        <p:nvSpPr>
+          <p:cNvPr id="37" name="Oval 36"/>
+          <p:cNvSpPr/>
+          <p:nvPr/>
+        </p:nvSpPr>
+        <p:spPr>
+          <a:xfrm>
+            <a:off x="1171824" y="7958782"/>
+            <a:ext cx="45719" cy="45719"/>
+          </a:xfrm>
+          <a:prstGeom prst="ellipse">
+            <a:avLst/>
+          </a:prstGeom>
+          <a:solidFill>
+            <a:srgbClr val="B451FF"/>
+          </a:solidFill>
+          <a:ln>
             <a:solidFill>
               <a:srgbClr val="B451FF"/>
             </a:solidFill>
-            <a:ln>
-              <a:solidFill>
-                <a:srgbClr val="B451FF"/>
-              </a:solidFill>
-            </a:ln>
-            <a:effectLst/>
-          </p:spPr>
-          <p:style>
-            <a:lnRef idx="1">
-              <a:schemeClr val="accent1"/>
-            </a:lnRef>
-            <a:fillRef idx="3">
-              <a:schemeClr val="accent1"/>
-            </a:fillRef>
-            <a:effectRef idx="2">
-              <a:schemeClr val="accent1"/>
-            </a:effectRef>
-            <a:fontRef idx="minor">
-              <a:schemeClr val="lt1"/>
-            </a:fontRef>
-          </p:style>
-          <p:txBody>
-            <a:bodyPr rtlCol="0" anchor="ctr"/>
-            <a:lstStyle/>
-            <a:p>
-              <a:pPr algn="ctr"/>
-              <a:endParaRPr lang="en-US"/>
-            </a:p>
-          </p:txBody>
-        </p:sp>
-        <p:sp>
-          <p:nvSpPr>
-            <p:cNvPr id="38" name="Oval 37"/>
-            <p:cNvSpPr/>
-            <p:nvPr/>
-          </p:nvSpPr>
-          <p:spPr>
-            <a:xfrm>
-              <a:off x="1632512" y="7892900"/>
-              <a:ext cx="45719" cy="45719"/>
-            </a:xfrm>
-            <a:prstGeom prst="ellipse">
-              <a:avLst/>
-            </a:prstGeom>
+          </a:ln>
+          <a:effectLst/>
+        </p:spPr>
+        <p:style>
+          <a:lnRef idx="1">
+            <a:schemeClr val="accent1"/>
+          </a:lnRef>
+          <a:fillRef idx="3">
+            <a:schemeClr val="accent1"/>
+          </a:fillRef>
+          <a:effectRef idx="2">
+            <a:schemeClr val="accent1"/>
+          </a:effectRef>
+          <a:fontRef idx="minor">
+            <a:schemeClr val="lt1"/>
+          </a:fontRef>
+        </p:style>
+        <p:txBody>
+          <a:bodyPr rtlCol="0" anchor="ctr"/>
+          <a:lstStyle/>
+          <a:p>
+            <a:pPr algn="ctr"/>
+            <a:endParaRPr lang="en-US"/>
+          </a:p>
+        </p:txBody>
+      </p:sp>
+      <p:sp>
+        <p:nvSpPr>
+          <p:cNvPr id="38" name="Oval 37"/>
+          <p:cNvSpPr/>
+          <p:nvPr/>
+        </p:nvSpPr>
+        <p:spPr>
+          <a:xfrm>
+            <a:off x="1988768" y="8154154"/>
+            <a:ext cx="45719" cy="45719"/>
+          </a:xfrm>
+          <a:prstGeom prst="ellipse">
+            <a:avLst/>
+          </a:prstGeom>
+          <a:solidFill>
+            <a:srgbClr val="B451FF"/>
+          </a:solidFill>
+          <a:ln>
             <a:solidFill>
               <a:srgbClr val="B451FF"/>
             </a:solidFill>
-            <a:ln>
-              <a:solidFill>
-                <a:srgbClr val="B451FF"/>
-              </a:solidFill>
-            </a:ln>
-            <a:effectLst/>
-          </p:spPr>
-          <p:style>
-            <a:lnRef idx="1">
-              <a:schemeClr val="accent1"/>
-            </a:lnRef>
-            <a:fillRef idx="3">
-              <a:schemeClr val="accent1"/>
-            </a:fillRef>
-            <a:effectRef idx="2">
-              <a:schemeClr val="accent1"/>
-            </a:effectRef>
-            <a:fontRef idx="minor">
-              <a:schemeClr val="lt1"/>
-            </a:fontRef>
-          </p:style>
-          <p:txBody>
-            <a:bodyPr rtlCol="0" anchor="ctr"/>
-            <a:lstStyle/>
-            <a:p>
-              <a:pPr algn="ctr"/>
-              <a:endParaRPr lang="en-US"/>
-            </a:p>
-          </p:txBody>
-        </p:sp>
-        <p:sp>
-          <p:nvSpPr>
-            <p:cNvPr id="39" name="Oval 38"/>
-            <p:cNvSpPr/>
-            <p:nvPr/>
-          </p:nvSpPr>
-          <p:spPr>
-            <a:xfrm>
-              <a:off x="971719" y="7938619"/>
-              <a:ext cx="45719" cy="45719"/>
-            </a:xfrm>
-            <a:prstGeom prst="ellipse">
-              <a:avLst/>
-            </a:prstGeom>
+          </a:ln>
+          <a:effectLst/>
+        </p:spPr>
+        <p:style>
+          <a:lnRef idx="1">
+            <a:schemeClr val="accent1"/>
+          </a:lnRef>
+          <a:fillRef idx="3">
+            <a:schemeClr val="accent1"/>
+          </a:fillRef>
+          <a:effectRef idx="2">
+            <a:schemeClr val="accent1"/>
+          </a:effectRef>
+          <a:fontRef idx="minor">
+            <a:schemeClr val="lt1"/>
+          </a:fontRef>
+        </p:style>
+        <p:txBody>
+          <a:bodyPr rtlCol="0" anchor="ctr"/>
+          <a:lstStyle/>
+          <a:p>
+            <a:pPr algn="ctr"/>
+            <a:endParaRPr lang="en-US"/>
+          </a:p>
+        </p:txBody>
+      </p:sp>
+      <p:sp>
+        <p:nvSpPr>
+          <p:cNvPr id="39" name="Oval 38"/>
+          <p:cNvSpPr/>
+          <p:nvPr/>
+        </p:nvSpPr>
+        <p:spPr>
+          <a:xfrm>
+            <a:off x="1327975" y="8199873"/>
+            <a:ext cx="45719" cy="45719"/>
+          </a:xfrm>
+          <a:prstGeom prst="ellipse">
+            <a:avLst/>
+          </a:prstGeom>
+          <a:solidFill>
+            <a:srgbClr val="B451FF"/>
+          </a:solidFill>
+          <a:ln>
             <a:solidFill>
               <a:srgbClr val="B451FF"/>
             </a:solidFill>
-            <a:ln>
-              <a:solidFill>
-                <a:srgbClr val="B451FF"/>
-              </a:solidFill>
-            </a:ln>
-            <a:effectLst/>
-          </p:spPr>
-          <p:style>
-            <a:lnRef idx="1">
-              <a:schemeClr val="accent1"/>
-            </a:lnRef>
-            <a:fillRef idx="3">
-              <a:schemeClr val="accent1"/>
-            </a:fillRef>
-            <a:effectRef idx="2">
-              <a:schemeClr val="accent1"/>
-            </a:effectRef>
-            <a:fontRef idx="minor">
-              <a:schemeClr val="lt1"/>
-            </a:fontRef>
-          </p:style>
-          <p:txBody>
-            <a:bodyPr rtlCol="0" anchor="ctr"/>
-            <a:lstStyle/>
-            <a:p>
-              <a:pPr algn="ctr"/>
-              <a:endParaRPr lang="en-US"/>
-            </a:p>
-          </p:txBody>
-        </p:sp>
-        <p:sp>
-          <p:nvSpPr>
-            <p:cNvPr id="40" name="Oval 39"/>
-            <p:cNvSpPr/>
-            <p:nvPr/>
-          </p:nvSpPr>
-          <p:spPr>
-            <a:xfrm>
-              <a:off x="1221968" y="7613962"/>
-              <a:ext cx="45719" cy="45719"/>
-            </a:xfrm>
-            <a:prstGeom prst="ellipse">
-              <a:avLst/>
-            </a:prstGeom>
+          </a:ln>
+          <a:effectLst/>
+        </p:spPr>
+        <p:style>
+          <a:lnRef idx="1">
+            <a:schemeClr val="accent1"/>
+          </a:lnRef>
+          <a:fillRef idx="3">
+            <a:schemeClr val="accent1"/>
+          </a:fillRef>
+          <a:effectRef idx="2">
+            <a:schemeClr val="accent1"/>
+          </a:effectRef>
+          <a:fontRef idx="minor">
+            <a:schemeClr val="lt1"/>
+          </a:fontRef>
+        </p:style>
+        <p:txBody>
+          <a:bodyPr rtlCol="0" anchor="ctr"/>
+          <a:lstStyle/>
+          <a:p>
+            <a:pPr algn="ctr"/>
+            <a:endParaRPr lang="en-US"/>
+          </a:p>
+        </p:txBody>
+      </p:sp>
+      <p:sp>
+        <p:nvSpPr>
+          <p:cNvPr id="40" name="Oval 39"/>
+          <p:cNvSpPr/>
+          <p:nvPr/>
+        </p:nvSpPr>
+        <p:spPr>
+          <a:xfrm>
+            <a:off x="1578224" y="7875216"/>
+            <a:ext cx="45719" cy="45719"/>
+          </a:xfrm>
+          <a:prstGeom prst="ellipse">
+            <a:avLst/>
+          </a:prstGeom>
+          <a:solidFill>
+            <a:srgbClr val="B451FF"/>
+          </a:solidFill>
+          <a:ln>
             <a:solidFill>
               <a:srgbClr val="B451FF"/>
             </a:solidFill>
-            <a:ln>
-              <a:solidFill>
-                <a:srgbClr val="B451FF"/>
-              </a:solidFill>
-            </a:ln>
-            <a:effectLst/>
-          </p:spPr>
-          <p:style>
-            <a:lnRef idx="1">
-              <a:schemeClr val="accent1"/>
-            </a:lnRef>
-            <a:fillRef idx="3">
-              <a:schemeClr val="accent1"/>
-            </a:fillRef>
-            <a:effectRef idx="2">
-              <a:schemeClr val="accent1"/>
-            </a:effectRef>
-            <a:fontRef idx="minor">
-              <a:schemeClr val="lt1"/>
-            </a:fontRef>
-          </p:style>
-          <p:txBody>
-            <a:bodyPr rtlCol="0" anchor="ctr"/>
-            <a:lstStyle/>
-            <a:p>
-              <a:pPr algn="ctr"/>
-              <a:endParaRPr lang="en-US"/>
-            </a:p>
-          </p:txBody>
-        </p:sp>
-        <p:sp>
-          <p:nvSpPr>
-            <p:cNvPr id="41" name="Oval 40"/>
-            <p:cNvSpPr/>
-            <p:nvPr/>
-          </p:nvSpPr>
-          <p:spPr>
-            <a:xfrm>
-              <a:off x="1532115" y="7524898"/>
-              <a:ext cx="45719" cy="45719"/>
-            </a:xfrm>
-            <a:prstGeom prst="ellipse">
-              <a:avLst/>
-            </a:prstGeom>
+          </a:ln>
+          <a:effectLst/>
+        </p:spPr>
+        <p:style>
+          <a:lnRef idx="1">
+            <a:schemeClr val="accent1"/>
+          </a:lnRef>
+          <a:fillRef idx="3">
+            <a:schemeClr val="accent1"/>
+          </a:fillRef>
+          <a:effectRef idx="2">
+            <a:schemeClr val="accent1"/>
+          </a:effectRef>
+          <a:fontRef idx="minor">
+            <a:schemeClr val="lt1"/>
+          </a:fontRef>
+        </p:style>
+        <p:txBody>
+          <a:bodyPr rtlCol="0" anchor="ctr"/>
+          <a:lstStyle/>
+          <a:p>
+            <a:pPr algn="ctr"/>
+            <a:endParaRPr lang="en-US"/>
+          </a:p>
+        </p:txBody>
+      </p:sp>
+      <p:sp>
+        <p:nvSpPr>
+          <p:cNvPr id="41" name="Oval 40"/>
+          <p:cNvSpPr/>
+          <p:nvPr/>
+        </p:nvSpPr>
+        <p:spPr>
+          <a:xfrm>
+            <a:off x="1888371" y="7786152"/>
+            <a:ext cx="45719" cy="45719"/>
+          </a:xfrm>
+          <a:prstGeom prst="ellipse">
+            <a:avLst/>
+          </a:prstGeom>
+          <a:solidFill>
+            <a:srgbClr val="B451FF"/>
+          </a:solidFill>
+          <a:ln>
             <a:solidFill>
               <a:srgbClr val="B451FF"/>
             </a:solidFill>
-            <a:ln>
-              <a:solidFill>
-                <a:srgbClr val="B451FF"/>
-              </a:solidFill>
-            </a:ln>
-            <a:effectLst/>
-          </p:spPr>
-          <p:style>
-            <a:lnRef idx="1">
-              <a:schemeClr val="accent1"/>
-            </a:lnRef>
-            <a:fillRef idx="3">
-              <a:schemeClr val="accent1"/>
-            </a:fillRef>
-            <a:effectRef idx="2">
-              <a:schemeClr val="accent1"/>
-            </a:effectRef>
-            <a:fontRef idx="minor">
-              <a:schemeClr val="lt1"/>
-            </a:fontRef>
-          </p:style>
-          <p:txBody>
-            <a:bodyPr rtlCol="0" anchor="ctr"/>
-            <a:lstStyle/>
-            <a:p>
-              <a:pPr algn="ctr"/>
-              <a:endParaRPr lang="en-US"/>
-            </a:p>
-          </p:txBody>
-        </p:sp>
-        <p:sp>
-          <p:nvSpPr>
-            <p:cNvPr id="42" name="Oval 41"/>
-            <p:cNvSpPr/>
-            <p:nvPr/>
-          </p:nvSpPr>
-          <p:spPr>
-            <a:xfrm>
-              <a:off x="1279255" y="7984338"/>
-              <a:ext cx="45719" cy="45719"/>
-            </a:xfrm>
-            <a:prstGeom prst="ellipse">
-              <a:avLst/>
-            </a:prstGeom>
+          </a:ln>
+          <a:effectLst/>
+        </p:spPr>
+        <p:style>
+          <a:lnRef idx="1">
+            <a:schemeClr val="accent1"/>
+          </a:lnRef>
+          <a:fillRef idx="3">
+            <a:schemeClr val="accent1"/>
+          </a:fillRef>
+          <a:effectRef idx="2">
+            <a:schemeClr val="accent1"/>
+          </a:effectRef>
+          <a:fontRef idx="minor">
+            <a:schemeClr val="lt1"/>
+          </a:fontRef>
+        </p:style>
+        <p:txBody>
+          <a:bodyPr rtlCol="0" anchor="ctr"/>
+          <a:lstStyle/>
+          <a:p>
+            <a:pPr algn="ctr"/>
+            <a:endParaRPr lang="en-US"/>
+          </a:p>
+        </p:txBody>
+      </p:sp>
+      <p:sp>
+        <p:nvSpPr>
+          <p:cNvPr id="42" name="Oval 41"/>
+          <p:cNvSpPr/>
+          <p:nvPr/>
+        </p:nvSpPr>
+        <p:spPr>
+          <a:xfrm>
+            <a:off x="1635511" y="8245592"/>
+            <a:ext cx="45719" cy="45719"/>
+          </a:xfrm>
+          <a:prstGeom prst="ellipse">
+            <a:avLst/>
+          </a:prstGeom>
+          <a:solidFill>
+            <a:srgbClr val="B451FF"/>
+          </a:solidFill>
+          <a:ln>
             <a:solidFill>
               <a:srgbClr val="B451FF"/>
             </a:solidFill>
-            <a:ln>
-              <a:solidFill>
-                <a:srgbClr val="B451FF"/>
-              </a:solidFill>
-            </a:ln>
-            <a:effectLst/>
-          </p:spPr>
-          <p:style>
-            <a:lnRef idx="1">
-              <a:schemeClr val="accent1"/>
-            </a:lnRef>
-            <a:fillRef idx="3">
-              <a:schemeClr val="accent1"/>
-            </a:fillRef>
-            <a:effectRef idx="2">
-              <a:schemeClr val="accent1"/>
-            </a:effectRef>
-            <a:fontRef idx="minor">
-              <a:schemeClr val="lt1"/>
-            </a:fontRef>
-          </p:style>
-          <p:txBody>
-            <a:bodyPr rtlCol="0" anchor="ctr"/>
-            <a:lstStyle/>
-            <a:p>
-              <a:pPr algn="ctr"/>
-              <a:endParaRPr lang="en-US"/>
-            </a:p>
-          </p:txBody>
-        </p:sp>
-        <p:sp>
-          <p:nvSpPr>
-            <p:cNvPr id="43" name="Oval 42"/>
-            <p:cNvSpPr/>
-            <p:nvPr/>
-          </p:nvSpPr>
-          <p:spPr>
-            <a:xfrm>
-              <a:off x="1147906" y="7847181"/>
-              <a:ext cx="45719" cy="45719"/>
-            </a:xfrm>
-            <a:prstGeom prst="ellipse">
-              <a:avLst/>
-            </a:prstGeom>
+          </a:ln>
+          <a:effectLst/>
+        </p:spPr>
+        <p:style>
+          <a:lnRef idx="1">
+            <a:schemeClr val="accent1"/>
+          </a:lnRef>
+          <a:fillRef idx="3">
+            <a:schemeClr val="accent1"/>
+          </a:fillRef>
+          <a:effectRef idx="2">
+            <a:schemeClr val="accent1"/>
+          </a:effectRef>
+          <a:fontRef idx="minor">
+            <a:schemeClr val="lt1"/>
+          </a:fontRef>
+        </p:style>
+        <p:txBody>
+          <a:bodyPr rtlCol="0" anchor="ctr"/>
+          <a:lstStyle/>
+          <a:p>
+            <a:pPr algn="ctr"/>
+            <a:endParaRPr lang="en-US"/>
+          </a:p>
+        </p:txBody>
+      </p:sp>
+      <p:sp>
+        <p:nvSpPr>
+          <p:cNvPr id="43" name="Oval 42"/>
+          <p:cNvSpPr/>
+          <p:nvPr/>
+        </p:nvSpPr>
+        <p:spPr>
+          <a:xfrm>
+            <a:off x="1504162" y="8108435"/>
+            <a:ext cx="45719" cy="45719"/>
+          </a:xfrm>
+          <a:prstGeom prst="ellipse">
+            <a:avLst/>
+          </a:prstGeom>
+          <a:solidFill>
+            <a:srgbClr val="B451FF"/>
+          </a:solidFill>
+          <a:ln>
             <a:solidFill>
               <a:srgbClr val="B451FF"/>
             </a:solidFill>
-            <a:ln>
-              <a:solidFill>
-                <a:srgbClr val="B451FF"/>
-              </a:solidFill>
-            </a:ln>
-            <a:effectLst/>
-          </p:spPr>
-          <p:style>
-            <a:lnRef idx="1">
-              <a:schemeClr val="accent1"/>
-            </a:lnRef>
-            <a:fillRef idx="3">
-              <a:schemeClr val="accent1"/>
-            </a:fillRef>
-            <a:effectRef idx="2">
-              <a:schemeClr val="accent1"/>
-            </a:effectRef>
-            <a:fontRef idx="minor">
-              <a:schemeClr val="lt1"/>
-            </a:fontRef>
-          </p:style>
-          <p:txBody>
-            <a:bodyPr rtlCol="0" anchor="ctr"/>
-            <a:lstStyle/>
-            <a:p>
-              <a:pPr algn="ctr"/>
-              <a:endParaRPr lang="en-US"/>
-            </a:p>
-          </p:txBody>
-        </p:sp>
-        <p:sp>
-          <p:nvSpPr>
-            <p:cNvPr id="44" name="Oval 43"/>
-            <p:cNvSpPr/>
-            <p:nvPr/>
-          </p:nvSpPr>
-          <p:spPr>
-            <a:xfrm>
-              <a:off x="1124512" y="8117324"/>
-              <a:ext cx="45719" cy="45719"/>
-            </a:xfrm>
-            <a:prstGeom prst="ellipse">
-              <a:avLst/>
-            </a:prstGeom>
+          </a:ln>
+          <a:effectLst/>
+        </p:spPr>
+        <p:style>
+          <a:lnRef idx="1">
+            <a:schemeClr val="accent1"/>
+          </a:lnRef>
+          <a:fillRef idx="3">
+            <a:schemeClr val="accent1"/>
+          </a:fillRef>
+          <a:effectRef idx="2">
+            <a:schemeClr val="accent1"/>
+          </a:effectRef>
+          <a:fontRef idx="minor">
+            <a:schemeClr val="lt1"/>
+          </a:fontRef>
+        </p:style>
+        <p:txBody>
+          <a:bodyPr rtlCol="0" anchor="ctr"/>
+          <a:lstStyle/>
+          <a:p>
+            <a:pPr algn="ctr"/>
+            <a:endParaRPr lang="en-US"/>
+          </a:p>
+        </p:txBody>
+      </p:sp>
+      <p:sp>
+        <p:nvSpPr>
+          <p:cNvPr id="44" name="Oval 43"/>
+          <p:cNvSpPr/>
+          <p:nvPr/>
+        </p:nvSpPr>
+        <p:spPr>
+          <a:xfrm>
+            <a:off x="1480768" y="8378578"/>
+            <a:ext cx="45719" cy="45719"/>
+          </a:xfrm>
+          <a:prstGeom prst="ellipse">
+            <a:avLst/>
+          </a:prstGeom>
+          <a:solidFill>
+            <a:srgbClr val="B451FF"/>
+          </a:solidFill>
+          <a:ln>
             <a:solidFill>
               <a:srgbClr val="B451FF"/>
             </a:solidFill>
-            <a:ln>
-              <a:solidFill>
-                <a:srgbClr val="B451FF"/>
-              </a:solidFill>
-            </a:ln>
-            <a:effectLst/>
-          </p:spPr>
-          <p:style>
-            <a:lnRef idx="1">
-              <a:schemeClr val="accent1"/>
-            </a:lnRef>
-            <a:fillRef idx="3">
-              <a:schemeClr val="accent1"/>
-            </a:fillRef>
-            <a:effectRef idx="2">
-              <a:schemeClr val="accent1"/>
-            </a:effectRef>
-            <a:fontRef idx="minor">
-              <a:schemeClr val="lt1"/>
-            </a:fontRef>
-          </p:style>
-          <p:txBody>
-            <a:bodyPr rtlCol="0" anchor="ctr"/>
-            <a:lstStyle/>
-            <a:p>
-              <a:pPr algn="ctr"/>
-              <a:endParaRPr lang="en-US"/>
-            </a:p>
-          </p:txBody>
-        </p:sp>
-        <p:sp>
-          <p:nvSpPr>
-            <p:cNvPr id="45" name="Oval 44"/>
-            <p:cNvSpPr/>
-            <p:nvPr/>
-          </p:nvSpPr>
-          <p:spPr>
-            <a:xfrm>
-              <a:off x="1419954" y="7312413"/>
-              <a:ext cx="45719" cy="45719"/>
-            </a:xfrm>
-            <a:prstGeom prst="ellipse">
-              <a:avLst/>
-            </a:prstGeom>
+          </a:ln>
+          <a:effectLst/>
+        </p:spPr>
+        <p:style>
+          <a:lnRef idx="1">
+            <a:schemeClr val="accent1"/>
+          </a:lnRef>
+          <a:fillRef idx="3">
+            <a:schemeClr val="accent1"/>
+          </a:fillRef>
+          <a:effectRef idx="2">
+            <a:schemeClr val="accent1"/>
+          </a:effectRef>
+          <a:fontRef idx="minor">
+            <a:schemeClr val="lt1"/>
+          </a:fontRef>
+        </p:style>
+        <p:txBody>
+          <a:bodyPr rtlCol="0" anchor="ctr"/>
+          <a:lstStyle/>
+          <a:p>
+            <a:pPr algn="ctr"/>
+            <a:endParaRPr lang="en-US"/>
+          </a:p>
+        </p:txBody>
+      </p:sp>
+      <p:sp>
+        <p:nvSpPr>
+          <p:cNvPr id="45" name="Oval 44"/>
+          <p:cNvSpPr/>
+          <p:nvPr/>
+        </p:nvSpPr>
+        <p:spPr>
+          <a:xfrm>
+            <a:off x="1776210" y="7573667"/>
+            <a:ext cx="45719" cy="45719"/>
+          </a:xfrm>
+          <a:prstGeom prst="ellipse">
+            <a:avLst/>
+          </a:prstGeom>
+          <a:solidFill>
+            <a:srgbClr val="B451FF"/>
+          </a:solidFill>
+          <a:ln>
             <a:solidFill>
               <a:srgbClr val="B451FF"/>
             </a:solidFill>
-            <a:ln>
-              <a:solidFill>
-                <a:srgbClr val="B451FF"/>
-              </a:solidFill>
-            </a:ln>
-            <a:effectLst/>
-          </p:spPr>
-          <p:style>
-            <a:lnRef idx="1">
-              <a:schemeClr val="accent1"/>
-            </a:lnRef>
-            <a:fillRef idx="3">
-              <a:schemeClr val="accent1"/>
-            </a:fillRef>
-            <a:effectRef idx="2">
-              <a:schemeClr val="accent1"/>
-            </a:effectRef>
-            <a:fontRef idx="minor">
-              <a:schemeClr val="lt1"/>
-            </a:fontRef>
-          </p:style>
-          <p:txBody>
-            <a:bodyPr rtlCol="0" anchor="ctr"/>
-            <a:lstStyle/>
-            <a:p>
-              <a:pPr algn="ctr"/>
-              <a:endParaRPr lang="en-US"/>
-            </a:p>
-          </p:txBody>
-        </p:sp>
-        <p:sp>
-          <p:nvSpPr>
-            <p:cNvPr id="46" name="Oval 45"/>
-            <p:cNvSpPr/>
-            <p:nvPr/>
-          </p:nvSpPr>
-          <p:spPr>
-            <a:xfrm>
-              <a:off x="1037350" y="7592313"/>
-              <a:ext cx="45719" cy="45719"/>
-            </a:xfrm>
-            <a:prstGeom prst="ellipse">
-              <a:avLst/>
-            </a:prstGeom>
+          </a:ln>
+          <a:effectLst/>
+        </p:spPr>
+        <p:style>
+          <a:lnRef idx="1">
+            <a:schemeClr val="accent1"/>
+          </a:lnRef>
+          <a:fillRef idx="3">
+            <a:schemeClr val="accent1"/>
+          </a:fillRef>
+          <a:effectRef idx="2">
+            <a:schemeClr val="accent1"/>
+          </a:effectRef>
+          <a:fontRef idx="minor">
+            <a:schemeClr val="lt1"/>
+          </a:fontRef>
+        </p:style>
+        <p:txBody>
+          <a:bodyPr rtlCol="0" anchor="ctr"/>
+          <a:lstStyle/>
+          <a:p>
+            <a:pPr algn="ctr"/>
+            <a:endParaRPr lang="en-US"/>
+          </a:p>
+        </p:txBody>
+      </p:sp>
+      <p:sp>
+        <p:nvSpPr>
+          <p:cNvPr id="46" name="Oval 45"/>
+          <p:cNvSpPr/>
+          <p:nvPr/>
+        </p:nvSpPr>
+        <p:spPr>
+          <a:xfrm>
+            <a:off x="1393606" y="7853567"/>
+            <a:ext cx="45719" cy="45719"/>
+          </a:xfrm>
+          <a:prstGeom prst="ellipse">
+            <a:avLst/>
+          </a:prstGeom>
+          <a:solidFill>
+            <a:srgbClr val="B451FF"/>
+          </a:solidFill>
+          <a:ln>
             <a:solidFill>
               <a:srgbClr val="B451FF"/>
             </a:solidFill>
-            <a:ln>
-              <a:solidFill>
-                <a:srgbClr val="B451FF"/>
-              </a:solidFill>
-            </a:ln>
-            <a:effectLst/>
-          </p:spPr>
-          <p:style>
-            <a:lnRef idx="1">
-              <a:schemeClr val="accent1"/>
-            </a:lnRef>
-            <a:fillRef idx="3">
-              <a:schemeClr val="accent1"/>
-            </a:fillRef>
-            <a:effectRef idx="2">
-              <a:schemeClr val="accent1"/>
-            </a:effectRef>
-            <a:fontRef idx="minor">
-              <a:schemeClr val="lt1"/>
-            </a:fontRef>
-          </p:style>
-          <p:txBody>
-            <a:bodyPr rtlCol="0" anchor="ctr"/>
-            <a:lstStyle/>
-            <a:p>
-              <a:pPr algn="ctr"/>
-              <a:endParaRPr lang="en-US"/>
-            </a:p>
-          </p:txBody>
-        </p:sp>
-        <p:sp>
-          <p:nvSpPr>
-            <p:cNvPr id="47" name="Oval 46"/>
-            <p:cNvSpPr/>
-            <p:nvPr/>
-          </p:nvSpPr>
-          <p:spPr>
-            <a:xfrm>
-              <a:off x="746052" y="7915759"/>
-              <a:ext cx="45719" cy="45719"/>
-            </a:xfrm>
-            <a:prstGeom prst="ellipse">
-              <a:avLst/>
-            </a:prstGeom>
+          </a:ln>
+          <a:effectLst/>
+        </p:spPr>
+        <p:style>
+          <a:lnRef idx="1">
+            <a:schemeClr val="accent1"/>
+          </a:lnRef>
+          <a:fillRef idx="3">
+            <a:schemeClr val="accent1"/>
+          </a:fillRef>
+          <a:effectRef idx="2">
+            <a:schemeClr val="accent1"/>
+          </a:effectRef>
+          <a:fontRef idx="minor">
+            <a:schemeClr val="lt1"/>
+          </a:fontRef>
+        </p:style>
+        <p:txBody>
+          <a:bodyPr rtlCol="0" anchor="ctr"/>
+          <a:lstStyle/>
+          <a:p>
+            <a:pPr algn="ctr"/>
+            <a:endParaRPr lang="en-US"/>
+          </a:p>
+        </p:txBody>
+      </p:sp>
+      <p:sp>
+        <p:nvSpPr>
+          <p:cNvPr id="47" name="Oval 46"/>
+          <p:cNvSpPr/>
+          <p:nvPr/>
+        </p:nvSpPr>
+        <p:spPr>
+          <a:xfrm>
+            <a:off x="1102308" y="8177013"/>
+            <a:ext cx="45719" cy="45719"/>
+          </a:xfrm>
+          <a:prstGeom prst="ellipse">
+            <a:avLst/>
+          </a:prstGeom>
+          <a:solidFill>
+            <a:srgbClr val="B451FF"/>
+          </a:solidFill>
+          <a:ln>
             <a:solidFill>
               <a:srgbClr val="B451FF"/>
             </a:solidFill>
-            <a:ln>
-              <a:solidFill>
-                <a:srgbClr val="B451FF"/>
-              </a:solidFill>
-            </a:ln>
-            <a:effectLst/>
-          </p:spPr>
-          <p:style>
-            <a:lnRef idx="1">
-              <a:schemeClr val="accent1"/>
-            </a:lnRef>
-            <a:fillRef idx="3">
-              <a:schemeClr val="accent1"/>
-            </a:fillRef>
-            <a:effectRef idx="2">
-              <a:schemeClr val="accent1"/>
-            </a:effectRef>
-            <a:fontRef idx="minor">
-              <a:schemeClr val="lt1"/>
-            </a:fontRef>
-          </p:style>
-          <p:txBody>
-            <a:bodyPr rtlCol="0" anchor="ctr"/>
-            <a:lstStyle/>
-            <a:p>
-              <a:pPr algn="ctr"/>
-              <a:endParaRPr lang="en-US"/>
-            </a:p>
-          </p:txBody>
-        </p:sp>
-        <p:sp>
-          <p:nvSpPr>
-            <p:cNvPr id="48" name="Oval 47"/>
-            <p:cNvSpPr/>
-            <p:nvPr/>
-          </p:nvSpPr>
-          <p:spPr>
-            <a:xfrm>
-              <a:off x="602877" y="7502038"/>
-              <a:ext cx="45719" cy="45719"/>
-            </a:xfrm>
-            <a:prstGeom prst="ellipse">
-              <a:avLst/>
-            </a:prstGeom>
+          </a:ln>
+          <a:effectLst/>
+        </p:spPr>
+        <p:style>
+          <a:lnRef idx="1">
+            <a:schemeClr val="accent1"/>
+          </a:lnRef>
+          <a:fillRef idx="3">
+            <a:schemeClr val="accent1"/>
+          </a:fillRef>
+          <a:effectRef idx="2">
+            <a:schemeClr val="accent1"/>
+          </a:effectRef>
+          <a:fontRef idx="minor">
+            <a:schemeClr val="lt1"/>
+          </a:fontRef>
+        </p:style>
+        <p:txBody>
+          <a:bodyPr rtlCol="0" anchor="ctr"/>
+          <a:lstStyle/>
+          <a:p>
+            <a:pPr algn="ctr"/>
+            <a:endParaRPr lang="en-US"/>
+          </a:p>
+        </p:txBody>
+      </p:sp>
+      <p:sp>
+        <p:nvSpPr>
+          <p:cNvPr id="48" name="Oval 47"/>
+          <p:cNvSpPr/>
+          <p:nvPr/>
+        </p:nvSpPr>
+        <p:spPr>
+          <a:xfrm>
+            <a:off x="959133" y="7763292"/>
+            <a:ext cx="45719" cy="45719"/>
+          </a:xfrm>
+          <a:prstGeom prst="ellipse">
+            <a:avLst/>
+          </a:prstGeom>
+          <a:solidFill>
+            <a:srgbClr val="B451FF"/>
+          </a:solidFill>
+          <a:ln>
             <a:solidFill>
               <a:srgbClr val="B451FF"/>
             </a:solidFill>
-            <a:ln>
-              <a:solidFill>
-                <a:srgbClr val="B451FF"/>
-              </a:solidFill>
-            </a:ln>
-            <a:effectLst/>
-          </p:spPr>
-          <p:style>
-            <a:lnRef idx="1">
-              <a:schemeClr val="accent1"/>
-            </a:lnRef>
-            <a:fillRef idx="3">
-              <a:schemeClr val="accent1"/>
-            </a:fillRef>
-            <a:effectRef idx="2">
-              <a:schemeClr val="accent1"/>
-            </a:effectRef>
-            <a:fontRef idx="minor">
-              <a:schemeClr val="lt1"/>
-            </a:fontRef>
-          </p:style>
-          <p:txBody>
-            <a:bodyPr rtlCol="0" anchor="ctr"/>
-            <a:lstStyle/>
-            <a:p>
-              <a:pPr algn="ctr"/>
-              <a:endParaRPr lang="en-US"/>
-            </a:p>
-          </p:txBody>
-        </p:sp>
-        <p:sp>
-          <p:nvSpPr>
-            <p:cNvPr id="49" name="Oval 48"/>
-            <p:cNvSpPr/>
-            <p:nvPr/>
-          </p:nvSpPr>
-          <p:spPr>
-            <a:xfrm>
-              <a:off x="1006118" y="7200020"/>
-              <a:ext cx="45719" cy="45719"/>
-            </a:xfrm>
-            <a:prstGeom prst="ellipse">
-              <a:avLst/>
-            </a:prstGeom>
+          </a:ln>
+          <a:effectLst/>
+        </p:spPr>
+        <p:style>
+          <a:lnRef idx="1">
+            <a:schemeClr val="accent1"/>
+          </a:lnRef>
+          <a:fillRef idx="3">
+            <a:schemeClr val="accent1"/>
+          </a:fillRef>
+          <a:effectRef idx="2">
+            <a:schemeClr val="accent1"/>
+          </a:effectRef>
+          <a:fontRef idx="minor">
+            <a:schemeClr val="lt1"/>
+          </a:fontRef>
+        </p:style>
+        <p:txBody>
+          <a:bodyPr rtlCol="0" anchor="ctr"/>
+          <a:lstStyle/>
+          <a:p>
+            <a:pPr algn="ctr"/>
+            <a:endParaRPr lang="en-US"/>
+          </a:p>
+        </p:txBody>
+      </p:sp>
+      <p:sp>
+        <p:nvSpPr>
+          <p:cNvPr id="49" name="Oval 48"/>
+          <p:cNvSpPr/>
+          <p:nvPr/>
+        </p:nvSpPr>
+        <p:spPr>
+          <a:xfrm>
+            <a:off x="1362374" y="7461274"/>
+            <a:ext cx="45719" cy="45719"/>
+          </a:xfrm>
+          <a:prstGeom prst="ellipse">
+            <a:avLst/>
+          </a:prstGeom>
+          <a:solidFill>
+            <a:srgbClr val="B451FF"/>
+          </a:solidFill>
+          <a:ln>
             <a:solidFill>
               <a:srgbClr val="B451FF"/>
             </a:solidFill>
-            <a:ln>
-              <a:solidFill>
-                <a:srgbClr val="B451FF"/>
-              </a:solidFill>
-            </a:ln>
-            <a:effectLst/>
-          </p:spPr>
-          <p:style>
-            <a:lnRef idx="1">
-              <a:schemeClr val="accent1"/>
-            </a:lnRef>
-            <a:fillRef idx="3">
-              <a:schemeClr val="accent1"/>
-            </a:fillRef>
-            <a:effectRef idx="2">
-              <a:schemeClr val="accent1"/>
-            </a:effectRef>
-            <a:fontRef idx="minor">
-              <a:schemeClr val="lt1"/>
-            </a:fontRef>
-          </p:style>
-          <p:txBody>
-            <a:bodyPr rtlCol="0" anchor="ctr"/>
-            <a:lstStyle/>
-            <a:p>
-              <a:pPr algn="ctr"/>
-              <a:endParaRPr lang="en-US"/>
-            </a:p>
-          </p:txBody>
-        </p:sp>
-        <p:sp>
-          <p:nvSpPr>
-            <p:cNvPr id="50" name="Oval 49"/>
-            <p:cNvSpPr/>
-            <p:nvPr/>
-          </p:nvSpPr>
-          <p:spPr>
-            <a:xfrm>
-              <a:off x="1267687" y="7173817"/>
-              <a:ext cx="45719" cy="45719"/>
-            </a:xfrm>
-            <a:prstGeom prst="ellipse">
-              <a:avLst/>
-            </a:prstGeom>
+          </a:ln>
+          <a:effectLst/>
+        </p:spPr>
+        <p:style>
+          <a:lnRef idx="1">
+            <a:schemeClr val="accent1"/>
+          </a:lnRef>
+          <a:fillRef idx="3">
+            <a:schemeClr val="accent1"/>
+          </a:fillRef>
+          <a:effectRef idx="2">
+            <a:schemeClr val="accent1"/>
+          </a:effectRef>
+          <a:fontRef idx="minor">
+            <a:schemeClr val="lt1"/>
+          </a:fontRef>
+        </p:style>
+        <p:txBody>
+          <a:bodyPr rtlCol="0" anchor="ctr"/>
+          <a:lstStyle/>
+          <a:p>
+            <a:pPr algn="ctr"/>
+            <a:endParaRPr lang="en-US"/>
+          </a:p>
+        </p:txBody>
+      </p:sp>
+      <p:sp>
+        <p:nvSpPr>
+          <p:cNvPr id="50" name="Oval 49"/>
+          <p:cNvSpPr/>
+          <p:nvPr/>
+        </p:nvSpPr>
+        <p:spPr>
+          <a:xfrm>
+            <a:off x="1623943" y="7435071"/>
+            <a:ext cx="45719" cy="45719"/>
+          </a:xfrm>
+          <a:prstGeom prst="ellipse">
+            <a:avLst/>
+          </a:prstGeom>
+          <a:solidFill>
+            <a:srgbClr val="B451FF"/>
+          </a:solidFill>
+          <a:ln>
             <a:solidFill>
               <a:srgbClr val="B451FF"/>
             </a:solidFill>
-            <a:ln>
-              <a:solidFill>
-                <a:srgbClr val="B451FF"/>
-              </a:solidFill>
-            </a:ln>
-            <a:effectLst/>
-          </p:spPr>
-          <p:style>
-            <a:lnRef idx="1">
-              <a:schemeClr val="accent1"/>
-            </a:lnRef>
-            <a:fillRef idx="3">
-              <a:schemeClr val="accent1"/>
-            </a:fillRef>
-            <a:effectRef idx="2">
-              <a:schemeClr val="accent1"/>
-            </a:effectRef>
-            <a:fontRef idx="minor">
-              <a:schemeClr val="lt1"/>
-            </a:fontRef>
-          </p:style>
-          <p:txBody>
-            <a:bodyPr rtlCol="0" anchor="ctr"/>
-            <a:lstStyle/>
-            <a:p>
-              <a:pPr algn="ctr"/>
-              <a:endParaRPr lang="en-US"/>
-            </a:p>
-          </p:txBody>
-        </p:sp>
-        <p:sp>
-          <p:nvSpPr>
-            <p:cNvPr id="51" name="Oval 50"/>
-            <p:cNvSpPr/>
-            <p:nvPr/>
-          </p:nvSpPr>
-          <p:spPr>
-            <a:xfrm>
-              <a:off x="1434393" y="7760528"/>
-              <a:ext cx="45719" cy="45719"/>
-            </a:xfrm>
-            <a:prstGeom prst="ellipse">
-              <a:avLst/>
-            </a:prstGeom>
+          </a:ln>
+          <a:effectLst/>
+        </p:spPr>
+        <p:style>
+          <a:lnRef idx="1">
+            <a:schemeClr val="accent1"/>
+          </a:lnRef>
+          <a:fillRef idx="3">
+            <a:schemeClr val="accent1"/>
+          </a:fillRef>
+          <a:effectRef idx="2">
+            <a:schemeClr val="accent1"/>
+          </a:effectRef>
+          <a:fontRef idx="minor">
+            <a:schemeClr val="lt1"/>
+          </a:fontRef>
+        </p:style>
+        <p:txBody>
+          <a:bodyPr rtlCol="0" anchor="ctr"/>
+          <a:lstStyle/>
+          <a:p>
+            <a:pPr algn="ctr"/>
+            <a:endParaRPr lang="en-US"/>
+          </a:p>
+        </p:txBody>
+      </p:sp>
+      <p:sp>
+        <p:nvSpPr>
+          <p:cNvPr id="51" name="Oval 50"/>
+          <p:cNvSpPr/>
+          <p:nvPr/>
+        </p:nvSpPr>
+        <p:spPr>
+          <a:xfrm>
+            <a:off x="1790649" y="8021782"/>
+            <a:ext cx="45719" cy="45719"/>
+          </a:xfrm>
+          <a:prstGeom prst="ellipse">
+            <a:avLst/>
+          </a:prstGeom>
+          <a:solidFill>
+            <a:srgbClr val="B451FF"/>
+          </a:solidFill>
+          <a:ln>
             <a:solidFill>
               <a:srgbClr val="B451FF"/>
             </a:solidFill>
-            <a:ln>
-              <a:solidFill>
-                <a:srgbClr val="B451FF"/>
-              </a:solidFill>
-            </a:ln>
-            <a:effectLst/>
-          </p:spPr>
-          <p:style>
-            <a:lnRef idx="1">
-              <a:schemeClr val="accent1"/>
-            </a:lnRef>
-            <a:fillRef idx="3">
-              <a:schemeClr val="accent1"/>
-            </a:fillRef>
-            <a:effectRef idx="2">
-              <a:schemeClr val="accent1"/>
-            </a:effectRef>
-            <a:fontRef idx="minor">
-              <a:schemeClr val="lt1"/>
-            </a:fontRef>
-          </p:style>
-          <p:txBody>
-            <a:bodyPr rtlCol="0" anchor="ctr"/>
-            <a:lstStyle/>
-            <a:p>
-              <a:pPr algn="ctr"/>
-              <a:endParaRPr lang="en-US"/>
-            </a:p>
-          </p:txBody>
-        </p:sp>
-        <p:sp>
-          <p:nvSpPr>
-            <p:cNvPr id="52" name="Oval 51"/>
-            <p:cNvSpPr/>
-            <p:nvPr/>
-          </p:nvSpPr>
-          <p:spPr>
-            <a:xfrm>
-              <a:off x="1608182" y="7714809"/>
-              <a:ext cx="45719" cy="45719"/>
-            </a:xfrm>
-            <a:prstGeom prst="ellipse">
-              <a:avLst/>
-            </a:prstGeom>
+          </a:ln>
+          <a:effectLst/>
+        </p:spPr>
+        <p:style>
+          <a:lnRef idx="1">
+            <a:schemeClr val="accent1"/>
+          </a:lnRef>
+          <a:fillRef idx="3">
+            <a:schemeClr val="accent1"/>
+          </a:fillRef>
+          <a:effectRef idx="2">
+            <a:schemeClr val="accent1"/>
+          </a:effectRef>
+          <a:fontRef idx="minor">
+            <a:schemeClr val="lt1"/>
+          </a:fontRef>
+        </p:style>
+        <p:txBody>
+          <a:bodyPr rtlCol="0" anchor="ctr"/>
+          <a:lstStyle/>
+          <a:p>
+            <a:pPr algn="ctr"/>
+            <a:endParaRPr lang="en-US"/>
+          </a:p>
+        </p:txBody>
+      </p:sp>
+      <p:sp>
+        <p:nvSpPr>
+          <p:cNvPr id="52" name="Oval 51"/>
+          <p:cNvSpPr/>
+          <p:nvPr/>
+        </p:nvSpPr>
+        <p:spPr>
+          <a:xfrm>
+            <a:off x="1964438" y="7976063"/>
+            <a:ext cx="45719" cy="45719"/>
+          </a:xfrm>
+          <a:prstGeom prst="ellipse">
+            <a:avLst/>
+          </a:prstGeom>
+          <a:solidFill>
+            <a:srgbClr val="B451FF"/>
+          </a:solidFill>
+          <a:ln>
             <a:solidFill>
               <a:srgbClr val="B451FF"/>
             </a:solidFill>
-            <a:ln>
-              <a:solidFill>
-                <a:srgbClr val="B451FF"/>
-              </a:solidFill>
-            </a:ln>
-            <a:effectLst/>
-          </p:spPr>
-          <p:style>
-            <a:lnRef idx="1">
-              <a:schemeClr val="accent1"/>
-            </a:lnRef>
-            <a:fillRef idx="3">
-              <a:schemeClr val="accent1"/>
-            </a:fillRef>
-            <a:effectRef idx="2">
-              <a:schemeClr val="accent1"/>
-            </a:effectRef>
-            <a:fontRef idx="minor">
-              <a:schemeClr val="lt1"/>
-            </a:fontRef>
-          </p:style>
-          <p:txBody>
-            <a:bodyPr rtlCol="0" anchor="ctr"/>
-            <a:lstStyle/>
-            <a:p>
-              <a:pPr algn="ctr"/>
-              <a:endParaRPr lang="en-US"/>
-            </a:p>
-          </p:txBody>
-        </p:sp>
-        <p:sp>
-          <p:nvSpPr>
-            <p:cNvPr id="53" name="Oval 52"/>
-            <p:cNvSpPr/>
-            <p:nvPr/>
-          </p:nvSpPr>
-          <p:spPr>
-            <a:xfrm>
-              <a:off x="1471957" y="7998925"/>
-              <a:ext cx="45719" cy="45719"/>
-            </a:xfrm>
-            <a:prstGeom prst="ellipse">
-              <a:avLst/>
-            </a:prstGeom>
+          </a:ln>
+          <a:effectLst/>
+        </p:spPr>
+        <p:style>
+          <a:lnRef idx="1">
+            <a:schemeClr val="accent1"/>
+          </a:lnRef>
+          <a:fillRef idx="3">
+            <a:schemeClr val="accent1"/>
+          </a:fillRef>
+          <a:effectRef idx="2">
+            <a:schemeClr val="accent1"/>
+          </a:effectRef>
+          <a:fontRef idx="minor">
+            <a:schemeClr val="lt1"/>
+          </a:fontRef>
+        </p:style>
+        <p:txBody>
+          <a:bodyPr rtlCol="0" anchor="ctr"/>
+          <a:lstStyle/>
+          <a:p>
+            <a:pPr algn="ctr"/>
+            <a:endParaRPr lang="en-US"/>
+          </a:p>
+        </p:txBody>
+      </p:sp>
+      <p:sp>
+        <p:nvSpPr>
+          <p:cNvPr id="53" name="Oval 52"/>
+          <p:cNvSpPr/>
+          <p:nvPr/>
+        </p:nvSpPr>
+        <p:spPr>
+          <a:xfrm>
+            <a:off x="1828213" y="8260179"/>
+            <a:ext cx="45719" cy="45719"/>
+          </a:xfrm>
+          <a:prstGeom prst="ellipse">
+            <a:avLst/>
+          </a:prstGeom>
+          <a:solidFill>
+            <a:srgbClr val="B451FF"/>
+          </a:solidFill>
+          <a:ln>
             <a:solidFill>
               <a:srgbClr val="B451FF"/>
             </a:solidFill>
-            <a:ln>
-              <a:solidFill>
-                <a:srgbClr val="B451FF"/>
-              </a:solidFill>
-            </a:ln>
-            <a:effectLst/>
-          </p:spPr>
-          <p:style>
-            <a:lnRef idx="1">
-              <a:schemeClr val="accent1"/>
-            </a:lnRef>
-            <a:fillRef idx="3">
-              <a:schemeClr val="accent1"/>
-            </a:fillRef>
-            <a:effectRef idx="2">
-              <a:schemeClr val="accent1"/>
-            </a:effectRef>
-            <a:fontRef idx="minor">
-              <a:schemeClr val="lt1"/>
-            </a:fontRef>
-          </p:style>
-          <p:txBody>
-            <a:bodyPr rtlCol="0" anchor="ctr"/>
-            <a:lstStyle/>
-            <a:p>
-              <a:pPr algn="ctr"/>
-              <a:endParaRPr lang="en-US"/>
-            </a:p>
-          </p:txBody>
-        </p:sp>
-        <p:sp>
-          <p:nvSpPr>
-            <p:cNvPr id="54" name="Oval 53"/>
-            <p:cNvSpPr/>
-            <p:nvPr/>
-          </p:nvSpPr>
-          <p:spPr>
-            <a:xfrm>
-              <a:off x="1302114" y="7502038"/>
-              <a:ext cx="45719" cy="45719"/>
-            </a:xfrm>
-            <a:prstGeom prst="ellipse">
-              <a:avLst/>
-            </a:prstGeom>
+          </a:ln>
+          <a:effectLst/>
+        </p:spPr>
+        <p:style>
+          <a:lnRef idx="1">
+            <a:schemeClr val="accent1"/>
+          </a:lnRef>
+          <a:fillRef idx="3">
+            <a:schemeClr val="accent1"/>
+          </a:fillRef>
+          <a:effectRef idx="2">
+            <a:schemeClr val="accent1"/>
+          </a:effectRef>
+          <a:fontRef idx="minor">
+            <a:schemeClr val="lt1"/>
+          </a:fontRef>
+        </p:style>
+        <p:txBody>
+          <a:bodyPr rtlCol="0" anchor="ctr"/>
+          <a:lstStyle/>
+          <a:p>
+            <a:pPr algn="ctr"/>
+            <a:endParaRPr lang="en-US"/>
+          </a:p>
+        </p:txBody>
+      </p:sp>
+      <p:sp>
+        <p:nvSpPr>
+          <p:cNvPr id="54" name="Oval 53"/>
+          <p:cNvSpPr/>
+          <p:nvPr/>
+        </p:nvSpPr>
+        <p:spPr>
+          <a:xfrm>
+            <a:off x="1658370" y="7763292"/>
+            <a:ext cx="45719" cy="45719"/>
+          </a:xfrm>
+          <a:prstGeom prst="ellipse">
+            <a:avLst/>
+          </a:prstGeom>
+          <a:solidFill>
+            <a:srgbClr val="B451FF"/>
+          </a:solidFill>
+          <a:ln>
             <a:solidFill>
               <a:srgbClr val="B451FF"/>
             </a:solidFill>
-            <a:ln>
-              <a:solidFill>
-                <a:srgbClr val="B451FF"/>
-              </a:solidFill>
-            </a:ln>
-            <a:effectLst/>
-          </p:spPr>
-          <p:style>
-            <a:lnRef idx="1">
-              <a:schemeClr val="accent1"/>
-            </a:lnRef>
-            <a:fillRef idx="3">
-              <a:schemeClr val="accent1"/>
-            </a:fillRef>
-            <a:effectRef idx="2">
-              <a:schemeClr val="accent1"/>
-            </a:effectRef>
-            <a:fontRef idx="minor">
-              <a:schemeClr val="lt1"/>
-            </a:fontRef>
-          </p:style>
-          <p:txBody>
-            <a:bodyPr rtlCol="0" anchor="ctr"/>
-            <a:lstStyle/>
-            <a:p>
-              <a:pPr algn="ctr"/>
-              <a:endParaRPr lang="en-US"/>
-            </a:p>
-          </p:txBody>
-        </p:sp>
-        <p:sp>
-          <p:nvSpPr>
-            <p:cNvPr id="55" name="Oval 54"/>
-            <p:cNvSpPr/>
-            <p:nvPr/>
-          </p:nvSpPr>
-          <p:spPr>
-            <a:xfrm>
-              <a:off x="1314077" y="7830259"/>
-              <a:ext cx="45719" cy="45719"/>
-            </a:xfrm>
-            <a:prstGeom prst="ellipse">
-              <a:avLst/>
-            </a:prstGeom>
+          </a:ln>
+          <a:effectLst/>
+        </p:spPr>
+        <p:style>
+          <a:lnRef idx="1">
+            <a:schemeClr val="accent1"/>
+          </a:lnRef>
+          <a:fillRef idx="3">
+            <a:schemeClr val="accent1"/>
+          </a:fillRef>
+          <a:effectRef idx="2">
+            <a:schemeClr val="accent1"/>
+          </a:effectRef>
+          <a:fontRef idx="minor">
+            <a:schemeClr val="lt1"/>
+          </a:fontRef>
+        </p:style>
+        <p:txBody>
+          <a:bodyPr rtlCol="0" anchor="ctr"/>
+          <a:lstStyle/>
+          <a:p>
+            <a:pPr algn="ctr"/>
+            <a:endParaRPr lang="en-US"/>
+          </a:p>
+        </p:txBody>
+      </p:sp>
+      <p:sp>
+        <p:nvSpPr>
+          <p:cNvPr id="55" name="Oval 54"/>
+          <p:cNvSpPr/>
+          <p:nvPr/>
+        </p:nvSpPr>
+        <p:spPr>
+          <a:xfrm>
+            <a:off x="1670333" y="8091513"/>
+            <a:ext cx="45719" cy="45719"/>
+          </a:xfrm>
+          <a:prstGeom prst="ellipse">
+            <a:avLst/>
+          </a:prstGeom>
+          <a:solidFill>
+            <a:srgbClr val="B451FF"/>
+          </a:solidFill>
+          <a:ln>
             <a:solidFill>
               <a:srgbClr val="B451FF"/>
             </a:solidFill>
-            <a:ln>
-              <a:solidFill>
-                <a:srgbClr val="B451FF"/>
-              </a:solidFill>
-            </a:ln>
-            <a:effectLst/>
-          </p:spPr>
-          <p:style>
-            <a:lnRef idx="1">
-              <a:schemeClr val="accent1"/>
-            </a:lnRef>
-            <a:fillRef idx="3">
-              <a:schemeClr val="accent1"/>
-            </a:fillRef>
-            <a:effectRef idx="2">
-              <a:schemeClr val="accent1"/>
-            </a:effectRef>
-            <a:fontRef idx="minor">
-              <a:schemeClr val="lt1"/>
-            </a:fontRef>
-          </p:style>
-          <p:txBody>
-            <a:bodyPr rtlCol="0" anchor="ctr"/>
-            <a:lstStyle/>
-            <a:p>
-              <a:pPr algn="ctr"/>
-              <a:endParaRPr lang="en-US"/>
-            </a:p>
-          </p:txBody>
-        </p:sp>
-        <p:sp>
-          <p:nvSpPr>
-            <p:cNvPr id="56" name="Oval 55"/>
-            <p:cNvSpPr/>
-            <p:nvPr/>
-          </p:nvSpPr>
-          <p:spPr>
-            <a:xfrm>
-              <a:off x="966498" y="7801462"/>
-              <a:ext cx="45719" cy="45719"/>
-            </a:xfrm>
-            <a:prstGeom prst="ellipse">
-              <a:avLst/>
-            </a:prstGeom>
+          </a:ln>
+          <a:effectLst/>
+        </p:spPr>
+        <p:style>
+          <a:lnRef idx="1">
+            <a:schemeClr val="accent1"/>
+          </a:lnRef>
+          <a:fillRef idx="3">
+            <a:schemeClr val="accent1"/>
+          </a:fillRef>
+          <a:effectRef idx="2">
+            <a:schemeClr val="accent1"/>
+          </a:effectRef>
+          <a:fontRef idx="minor">
+            <a:schemeClr val="lt1"/>
+          </a:fontRef>
+        </p:style>
+        <p:txBody>
+          <a:bodyPr rtlCol="0" anchor="ctr"/>
+          <a:lstStyle/>
+          <a:p>
+            <a:pPr algn="ctr"/>
+            <a:endParaRPr lang="en-US"/>
+          </a:p>
+        </p:txBody>
+      </p:sp>
+      <p:sp>
+        <p:nvSpPr>
+          <p:cNvPr id="56" name="Oval 55"/>
+          <p:cNvSpPr/>
+          <p:nvPr/>
+        </p:nvSpPr>
+        <p:spPr>
+          <a:xfrm>
+            <a:off x="1322754" y="8062716"/>
+            <a:ext cx="45719" cy="45719"/>
+          </a:xfrm>
+          <a:prstGeom prst="ellipse">
+            <a:avLst/>
+          </a:prstGeom>
+          <a:solidFill>
+            <a:srgbClr val="B451FF"/>
+          </a:solidFill>
+          <a:ln>
             <a:solidFill>
               <a:srgbClr val="B451FF"/>
             </a:solidFill>
-            <a:ln>
-              <a:solidFill>
-                <a:srgbClr val="B451FF"/>
-              </a:solidFill>
-            </a:ln>
-            <a:effectLst/>
-          </p:spPr>
-          <p:style>
-            <a:lnRef idx="1">
-              <a:schemeClr val="accent1"/>
-            </a:lnRef>
-            <a:fillRef idx="3">
-              <a:schemeClr val="accent1"/>
-            </a:fillRef>
-            <a:effectRef idx="2">
-              <a:schemeClr val="accent1"/>
-            </a:effectRef>
-            <a:fontRef idx="minor">
-              <a:schemeClr val="lt1"/>
-            </a:fontRef>
-          </p:style>
-          <p:txBody>
-            <a:bodyPr rtlCol="0" anchor="ctr"/>
-            <a:lstStyle/>
-            <a:p>
-              <a:pPr algn="ctr"/>
-              <a:endParaRPr lang="en-US"/>
-            </a:p>
-          </p:txBody>
-        </p:sp>
-        <p:sp>
-          <p:nvSpPr>
-            <p:cNvPr id="57" name="Oval 56"/>
-            <p:cNvSpPr/>
-            <p:nvPr/>
-          </p:nvSpPr>
-          <p:spPr>
-            <a:xfrm>
-              <a:off x="1175312" y="7435700"/>
-              <a:ext cx="45719" cy="45719"/>
-            </a:xfrm>
-            <a:prstGeom prst="ellipse">
-              <a:avLst/>
-            </a:prstGeom>
+          </a:ln>
+          <a:effectLst/>
+        </p:spPr>
+        <p:style>
+          <a:lnRef idx="1">
+            <a:schemeClr val="accent1"/>
+          </a:lnRef>
+          <a:fillRef idx="3">
+            <a:schemeClr val="accent1"/>
+          </a:fillRef>
+          <a:effectRef idx="2">
+            <a:schemeClr val="accent1"/>
+          </a:effectRef>
+          <a:fontRef idx="minor">
+            <a:schemeClr val="lt1"/>
+          </a:fontRef>
+        </p:style>
+        <p:txBody>
+          <a:bodyPr rtlCol="0" anchor="ctr"/>
+          <a:lstStyle/>
+          <a:p>
+            <a:pPr algn="ctr"/>
+            <a:endParaRPr lang="en-US"/>
+          </a:p>
+        </p:txBody>
+      </p:sp>
+      <p:sp>
+        <p:nvSpPr>
+          <p:cNvPr id="57" name="Oval 56"/>
+          <p:cNvSpPr/>
+          <p:nvPr/>
+        </p:nvSpPr>
+        <p:spPr>
+          <a:xfrm>
+            <a:off x="1531568" y="7696954"/>
+            <a:ext cx="45719" cy="45719"/>
+          </a:xfrm>
+          <a:prstGeom prst="ellipse">
+            <a:avLst/>
+          </a:prstGeom>
+          <a:solidFill>
+            <a:srgbClr val="B451FF"/>
+          </a:solidFill>
+          <a:ln>
             <a:solidFill>
               <a:srgbClr val="B451FF"/>
             </a:solidFill>
-            <a:ln>
-              <a:solidFill>
-                <a:srgbClr val="B451FF"/>
-              </a:solidFill>
-            </a:ln>
-            <a:effectLst/>
-          </p:spPr>
-          <p:style>
-            <a:lnRef idx="1">
-              <a:schemeClr val="accent1"/>
-            </a:lnRef>
-            <a:fillRef idx="3">
-              <a:schemeClr val="accent1"/>
-            </a:fillRef>
-            <a:effectRef idx="2">
-              <a:schemeClr val="accent1"/>
-            </a:effectRef>
-            <a:fontRef idx="minor">
-              <a:schemeClr val="lt1"/>
-            </a:fontRef>
-          </p:style>
-          <p:txBody>
-            <a:bodyPr rtlCol="0" anchor="ctr"/>
-            <a:lstStyle/>
-            <a:p>
-              <a:pPr algn="ctr"/>
-              <a:endParaRPr lang="en-US"/>
-            </a:p>
-          </p:txBody>
-        </p:sp>
-        <p:sp>
-          <p:nvSpPr>
-            <p:cNvPr id="58" name="Oval 57"/>
-            <p:cNvSpPr/>
-            <p:nvPr/>
-          </p:nvSpPr>
-          <p:spPr>
-            <a:xfrm>
-              <a:off x="1327712" y="7588100"/>
-              <a:ext cx="45719" cy="45719"/>
-            </a:xfrm>
-            <a:prstGeom prst="ellipse">
-              <a:avLst/>
-            </a:prstGeom>
+          </a:ln>
+          <a:effectLst/>
+        </p:spPr>
+        <p:style>
+          <a:lnRef idx="1">
+            <a:schemeClr val="accent1"/>
+          </a:lnRef>
+          <a:fillRef idx="3">
+            <a:schemeClr val="accent1"/>
+          </a:fillRef>
+          <a:effectRef idx="2">
+            <a:schemeClr val="accent1"/>
+          </a:effectRef>
+          <a:fontRef idx="minor">
+            <a:schemeClr val="lt1"/>
+          </a:fontRef>
+        </p:style>
+        <p:txBody>
+          <a:bodyPr rtlCol="0" anchor="ctr"/>
+          <a:lstStyle/>
+          <a:p>
+            <a:pPr algn="ctr"/>
+            <a:endParaRPr lang="en-US"/>
+          </a:p>
+        </p:txBody>
+      </p:sp>
+      <p:sp>
+        <p:nvSpPr>
+          <p:cNvPr id="58" name="Oval 57"/>
+          <p:cNvSpPr/>
+          <p:nvPr/>
+        </p:nvSpPr>
+        <p:spPr>
+          <a:xfrm>
+            <a:off x="1683968" y="7849354"/>
+            <a:ext cx="45719" cy="45719"/>
+          </a:xfrm>
+          <a:prstGeom prst="ellipse">
+            <a:avLst/>
+          </a:prstGeom>
+          <a:solidFill>
+            <a:srgbClr val="B451FF"/>
+          </a:solidFill>
+          <a:ln>
             <a:solidFill>
               <a:srgbClr val="B451FF"/>
             </a:solidFill>
-            <a:ln>
-              <a:solidFill>
-                <a:srgbClr val="B451FF"/>
-              </a:solidFill>
-            </a:ln>
-            <a:effectLst/>
-          </p:spPr>
-          <p:style>
-            <a:lnRef idx="1">
-              <a:schemeClr val="accent1"/>
-            </a:lnRef>
-            <a:fillRef idx="3">
-              <a:schemeClr val="accent1"/>
-            </a:fillRef>
-            <a:effectRef idx="2">
-              <a:schemeClr val="accent1"/>
-            </a:effectRef>
-            <a:fontRef idx="minor">
-              <a:schemeClr val="lt1"/>
-            </a:fontRef>
-          </p:style>
-          <p:txBody>
-            <a:bodyPr rtlCol="0" anchor="ctr"/>
-            <a:lstStyle/>
-            <a:p>
-              <a:pPr algn="ctr"/>
-              <a:endParaRPr lang="en-US"/>
-            </a:p>
-          </p:txBody>
-        </p:sp>
-        <p:sp>
-          <p:nvSpPr>
-            <p:cNvPr id="59" name="Oval 58"/>
-            <p:cNvSpPr/>
-            <p:nvPr/>
-          </p:nvSpPr>
-          <p:spPr>
-            <a:xfrm>
-              <a:off x="1480112" y="7740500"/>
-              <a:ext cx="45719" cy="45719"/>
-            </a:xfrm>
-            <a:prstGeom prst="ellipse">
-              <a:avLst/>
-            </a:prstGeom>
+          </a:ln>
+          <a:effectLst/>
+        </p:spPr>
+        <p:style>
+          <a:lnRef idx="1">
+            <a:schemeClr val="accent1"/>
+          </a:lnRef>
+          <a:fillRef idx="3">
+            <a:schemeClr val="accent1"/>
+          </a:fillRef>
+          <a:effectRef idx="2">
+            <a:schemeClr val="accent1"/>
+          </a:effectRef>
+          <a:fontRef idx="minor">
+            <a:schemeClr val="lt1"/>
+          </a:fontRef>
+        </p:style>
+        <p:txBody>
+          <a:bodyPr rtlCol="0" anchor="ctr"/>
+          <a:lstStyle/>
+          <a:p>
+            <a:pPr algn="ctr"/>
+            <a:endParaRPr lang="en-US"/>
+          </a:p>
+        </p:txBody>
+      </p:sp>
+      <p:sp>
+        <p:nvSpPr>
+          <p:cNvPr id="59" name="Oval 58"/>
+          <p:cNvSpPr/>
+          <p:nvPr/>
+        </p:nvSpPr>
+        <p:spPr>
+          <a:xfrm>
+            <a:off x="1836368" y="8001754"/>
+            <a:ext cx="45719" cy="45719"/>
+          </a:xfrm>
+          <a:prstGeom prst="ellipse">
+            <a:avLst/>
+          </a:prstGeom>
+          <a:solidFill>
+            <a:srgbClr val="B451FF"/>
+          </a:solidFill>
+          <a:ln>
             <a:solidFill>
               <a:srgbClr val="B451FF"/>
             </a:solidFill>
-            <a:ln>
-              <a:solidFill>
-                <a:srgbClr val="B451FF"/>
-              </a:solidFill>
-            </a:ln>
-            <a:effectLst/>
-          </p:spPr>
-          <p:style>
-            <a:lnRef idx="1">
-              <a:schemeClr val="accent1"/>
-            </a:lnRef>
-            <a:fillRef idx="3">
-              <a:schemeClr val="accent1"/>
-            </a:fillRef>
-            <a:effectRef idx="2">
-              <a:schemeClr val="accent1"/>
-            </a:effectRef>
-            <a:fontRef idx="minor">
-              <a:schemeClr val="lt1"/>
-            </a:fontRef>
-          </p:style>
-          <p:txBody>
-            <a:bodyPr rtlCol="0" anchor="ctr"/>
-            <a:lstStyle/>
-            <a:p>
-              <a:pPr algn="ctr"/>
-              <a:endParaRPr lang="en-US"/>
-            </a:p>
-          </p:txBody>
-        </p:sp>
-        <p:sp>
-          <p:nvSpPr>
-            <p:cNvPr id="60" name="Oval 59"/>
-            <p:cNvSpPr/>
-            <p:nvPr/>
-          </p:nvSpPr>
-          <p:spPr>
-            <a:xfrm>
-              <a:off x="1632512" y="7892900"/>
-              <a:ext cx="45719" cy="45719"/>
-            </a:xfrm>
-            <a:prstGeom prst="ellipse">
-              <a:avLst/>
-            </a:prstGeom>
+          </a:ln>
+          <a:effectLst/>
+        </p:spPr>
+        <p:style>
+          <a:lnRef idx="1">
+            <a:schemeClr val="accent1"/>
+          </a:lnRef>
+          <a:fillRef idx="3">
+            <a:schemeClr val="accent1"/>
+          </a:fillRef>
+          <a:effectRef idx="2">
+            <a:schemeClr val="accent1"/>
+          </a:effectRef>
+          <a:fontRef idx="minor">
+            <a:schemeClr val="lt1"/>
+          </a:fontRef>
+        </p:style>
+        <p:txBody>
+          <a:bodyPr rtlCol="0" anchor="ctr"/>
+          <a:lstStyle/>
+          <a:p>
+            <a:pPr algn="ctr"/>
+            <a:endParaRPr lang="en-US"/>
+          </a:p>
+        </p:txBody>
+      </p:sp>
+      <p:sp>
+        <p:nvSpPr>
+          <p:cNvPr id="60" name="Oval 59"/>
+          <p:cNvSpPr/>
+          <p:nvPr/>
+        </p:nvSpPr>
+        <p:spPr>
+          <a:xfrm>
+            <a:off x="1988768" y="8154154"/>
+            <a:ext cx="45719" cy="45719"/>
+          </a:xfrm>
+          <a:prstGeom prst="ellipse">
+            <a:avLst/>
+          </a:prstGeom>
+          <a:solidFill>
+            <a:srgbClr val="B451FF"/>
+          </a:solidFill>
+          <a:ln>
             <a:solidFill>
               <a:srgbClr val="B451FF"/>
             </a:solidFill>
-            <a:ln>
-              <a:solidFill>
-                <a:srgbClr val="B451FF"/>
-              </a:solidFill>
-            </a:ln>
-            <a:effectLst/>
-          </p:spPr>
-          <p:style>
-            <a:lnRef idx="1">
-              <a:schemeClr val="accent1"/>
-            </a:lnRef>
-            <a:fillRef idx="3">
-              <a:schemeClr val="accent1"/>
-            </a:fillRef>
-            <a:effectRef idx="2">
-              <a:schemeClr val="accent1"/>
-            </a:effectRef>
-            <a:fontRef idx="minor">
-              <a:schemeClr val="lt1"/>
-            </a:fontRef>
-          </p:style>
-          <p:txBody>
-            <a:bodyPr rtlCol="0" anchor="ctr"/>
-            <a:lstStyle/>
-            <a:p>
-              <a:pPr algn="ctr"/>
-              <a:endParaRPr lang="en-US"/>
-            </a:p>
-          </p:txBody>
-        </p:sp>
-        <p:sp>
-          <p:nvSpPr>
-            <p:cNvPr id="61" name="Oval 60"/>
-            <p:cNvSpPr/>
-            <p:nvPr/>
-          </p:nvSpPr>
-          <p:spPr>
-            <a:xfrm>
-              <a:off x="1313406" y="7355708"/>
-              <a:ext cx="45719" cy="45719"/>
-            </a:xfrm>
-            <a:prstGeom prst="ellipse">
-              <a:avLst/>
-            </a:prstGeom>
+          </a:ln>
+          <a:effectLst/>
+        </p:spPr>
+        <p:style>
+          <a:lnRef idx="1">
+            <a:schemeClr val="accent1"/>
+          </a:lnRef>
+          <a:fillRef idx="3">
+            <a:schemeClr val="accent1"/>
+          </a:fillRef>
+          <a:effectRef idx="2">
+            <a:schemeClr val="accent1"/>
+          </a:effectRef>
+          <a:fontRef idx="minor">
+            <a:schemeClr val="lt1"/>
+          </a:fontRef>
+        </p:style>
+        <p:txBody>
+          <a:bodyPr rtlCol="0" anchor="ctr"/>
+          <a:lstStyle/>
+          <a:p>
+            <a:pPr algn="ctr"/>
+            <a:endParaRPr lang="en-US"/>
+          </a:p>
+        </p:txBody>
+      </p:sp>
+      <p:sp>
+        <p:nvSpPr>
+          <p:cNvPr id="61" name="Oval 60"/>
+          <p:cNvSpPr/>
+          <p:nvPr/>
+        </p:nvSpPr>
+        <p:spPr>
+          <a:xfrm>
+            <a:off x="1669662" y="7616962"/>
+            <a:ext cx="45719" cy="45719"/>
+          </a:xfrm>
+          <a:prstGeom prst="ellipse">
+            <a:avLst/>
+          </a:prstGeom>
+          <a:solidFill>
+            <a:srgbClr val="B451FF"/>
+          </a:solidFill>
+          <a:ln>
             <a:solidFill>
               <a:srgbClr val="B451FF"/>
             </a:solidFill>
-            <a:ln>
-              <a:solidFill>
-                <a:srgbClr val="B451FF"/>
-              </a:solidFill>
-            </a:ln>
-            <a:effectLst/>
-          </p:spPr>
-          <p:style>
-            <a:lnRef idx="1">
-              <a:schemeClr val="accent1"/>
-            </a:lnRef>
-            <a:fillRef idx="3">
-              <a:schemeClr val="accent1"/>
-            </a:fillRef>
-            <a:effectRef idx="2">
-              <a:schemeClr val="accent1"/>
-            </a:effectRef>
-            <a:fontRef idx="minor">
-              <a:schemeClr val="lt1"/>
-            </a:fontRef>
-          </p:style>
-          <p:txBody>
-            <a:bodyPr rtlCol="0" anchor="ctr"/>
-            <a:lstStyle/>
-            <a:p>
-              <a:pPr algn="ctr"/>
-              <a:endParaRPr lang="en-US"/>
-            </a:p>
-          </p:txBody>
-        </p:sp>
-        <p:sp>
-          <p:nvSpPr>
-            <p:cNvPr id="62" name="Oval 61"/>
-            <p:cNvSpPr/>
-            <p:nvPr/>
-          </p:nvSpPr>
-          <p:spPr>
-            <a:xfrm>
-              <a:off x="1093232" y="7115028"/>
-              <a:ext cx="45719" cy="45719"/>
-            </a:xfrm>
-            <a:prstGeom prst="ellipse">
-              <a:avLst/>
-            </a:prstGeom>
+          </a:ln>
+          <a:effectLst/>
+        </p:spPr>
+        <p:style>
+          <a:lnRef idx="1">
+            <a:schemeClr val="accent1"/>
+          </a:lnRef>
+          <a:fillRef idx="3">
+            <a:schemeClr val="accent1"/>
+          </a:fillRef>
+          <a:effectRef idx="2">
+            <a:schemeClr val="accent1"/>
+          </a:effectRef>
+          <a:fontRef idx="minor">
+            <a:schemeClr val="lt1"/>
+          </a:fontRef>
+        </p:style>
+        <p:txBody>
+          <a:bodyPr rtlCol="0" anchor="ctr"/>
+          <a:lstStyle/>
+          <a:p>
+            <a:pPr algn="ctr"/>
+            <a:endParaRPr lang="en-US"/>
+          </a:p>
+        </p:txBody>
+      </p:sp>
+      <p:sp>
+        <p:nvSpPr>
+          <p:cNvPr id="62" name="Oval 61"/>
+          <p:cNvSpPr/>
+          <p:nvPr/>
+        </p:nvSpPr>
+        <p:spPr>
+          <a:xfrm>
+            <a:off x="1449488" y="7376282"/>
+            <a:ext cx="45719" cy="45719"/>
+          </a:xfrm>
+          <a:prstGeom prst="ellipse">
+            <a:avLst/>
+          </a:prstGeom>
+          <a:solidFill>
+            <a:srgbClr val="B451FF"/>
+          </a:solidFill>
+          <a:ln>
             <a:solidFill>
               <a:srgbClr val="B451FF"/>
             </a:solidFill>
-            <a:ln>
-              <a:solidFill>
-                <a:srgbClr val="B451FF"/>
-              </a:solidFill>
-            </a:ln>
-            <a:effectLst/>
-          </p:spPr>
-          <p:style>
-            <a:lnRef idx="1">
-              <a:schemeClr val="accent1"/>
-            </a:lnRef>
-            <a:fillRef idx="3">
-              <a:schemeClr val="accent1"/>
-            </a:fillRef>
-            <a:effectRef idx="2">
-              <a:schemeClr val="accent1"/>
-            </a:effectRef>
-            <a:fontRef idx="minor">
-              <a:schemeClr val="lt1"/>
-            </a:fontRef>
-          </p:style>
-          <p:txBody>
-            <a:bodyPr rtlCol="0" anchor="ctr"/>
-            <a:lstStyle/>
-            <a:p>
-              <a:pPr algn="ctr"/>
-              <a:endParaRPr lang="en-US"/>
-            </a:p>
-          </p:txBody>
-        </p:sp>
-        <p:sp>
-          <p:nvSpPr>
-            <p:cNvPr id="63" name="Oval 62"/>
-            <p:cNvSpPr/>
-            <p:nvPr/>
-          </p:nvSpPr>
-          <p:spPr>
-            <a:xfrm>
-              <a:off x="831610" y="7565240"/>
-              <a:ext cx="45719" cy="45719"/>
-            </a:xfrm>
-            <a:prstGeom prst="ellipse">
-              <a:avLst/>
-            </a:prstGeom>
+          </a:ln>
+          <a:effectLst/>
+        </p:spPr>
+        <p:style>
+          <a:lnRef idx="1">
+            <a:schemeClr val="accent1"/>
+          </a:lnRef>
+          <a:fillRef idx="3">
+            <a:schemeClr val="accent1"/>
+          </a:fillRef>
+          <a:effectRef idx="2">
+            <a:schemeClr val="accent1"/>
+          </a:effectRef>
+          <a:fontRef idx="minor">
+            <a:schemeClr val="lt1"/>
+          </a:fontRef>
+        </p:style>
+        <p:txBody>
+          <a:bodyPr rtlCol="0" anchor="ctr"/>
+          <a:lstStyle/>
+          <a:p>
+            <a:pPr algn="ctr"/>
+            <a:endParaRPr lang="en-US"/>
+          </a:p>
+        </p:txBody>
+      </p:sp>
+      <p:sp>
+        <p:nvSpPr>
+          <p:cNvPr id="63" name="Oval 62"/>
+          <p:cNvSpPr/>
+          <p:nvPr/>
+        </p:nvSpPr>
+        <p:spPr>
+          <a:xfrm>
+            <a:off x="1187866" y="7826494"/>
+            <a:ext cx="45719" cy="45719"/>
+          </a:xfrm>
+          <a:prstGeom prst="ellipse">
+            <a:avLst/>
+          </a:prstGeom>
+          <a:solidFill>
+            <a:srgbClr val="B451FF"/>
+          </a:solidFill>
+          <a:ln>
             <a:solidFill>
               <a:srgbClr val="B451FF"/>
             </a:solidFill>
-            <a:ln>
-              <a:solidFill>
-                <a:srgbClr val="B451FF"/>
-              </a:solidFill>
-            </a:ln>
-            <a:effectLst/>
-          </p:spPr>
-          <p:style>
-            <a:lnRef idx="1">
-              <a:schemeClr val="accent1"/>
-            </a:lnRef>
-            <a:fillRef idx="3">
-              <a:schemeClr val="accent1"/>
-            </a:fillRef>
-            <a:effectRef idx="2">
-              <a:schemeClr val="accent1"/>
-            </a:effectRef>
-            <a:fontRef idx="minor">
-              <a:schemeClr val="lt1"/>
-            </a:fontRef>
-          </p:style>
-          <p:txBody>
-            <a:bodyPr rtlCol="0" anchor="ctr"/>
-            <a:lstStyle/>
-            <a:p>
-              <a:pPr algn="ctr"/>
-              <a:endParaRPr lang="en-US"/>
-            </a:p>
-          </p:txBody>
-        </p:sp>
-        <p:sp>
-          <p:nvSpPr>
-            <p:cNvPr id="64" name="Oval 63"/>
-            <p:cNvSpPr/>
-            <p:nvPr/>
-          </p:nvSpPr>
-          <p:spPr>
-            <a:xfrm>
-              <a:off x="640623" y="7778602"/>
-              <a:ext cx="45719" cy="45719"/>
-            </a:xfrm>
-            <a:prstGeom prst="ellipse">
-              <a:avLst/>
-            </a:prstGeom>
+          </a:ln>
+          <a:effectLst/>
+        </p:spPr>
+        <p:style>
+          <a:lnRef idx="1">
+            <a:schemeClr val="accent1"/>
+          </a:lnRef>
+          <a:fillRef idx="3">
+            <a:schemeClr val="accent1"/>
+          </a:fillRef>
+          <a:effectRef idx="2">
+            <a:schemeClr val="accent1"/>
+          </a:effectRef>
+          <a:fontRef idx="minor">
+            <a:schemeClr val="lt1"/>
+          </a:fontRef>
+        </p:style>
+        <p:txBody>
+          <a:bodyPr rtlCol="0" anchor="ctr"/>
+          <a:lstStyle/>
+          <a:p>
+            <a:pPr algn="ctr"/>
+            <a:endParaRPr lang="en-US"/>
+          </a:p>
+        </p:txBody>
+      </p:sp>
+      <p:sp>
+        <p:nvSpPr>
+          <p:cNvPr id="64" name="Oval 63"/>
+          <p:cNvSpPr/>
+          <p:nvPr/>
+        </p:nvSpPr>
+        <p:spPr>
+          <a:xfrm>
+            <a:off x="996879" y="8039856"/>
+            <a:ext cx="45719" cy="45719"/>
+          </a:xfrm>
+          <a:prstGeom prst="ellipse">
+            <a:avLst/>
+          </a:prstGeom>
+          <a:solidFill>
+            <a:srgbClr val="B451FF"/>
+          </a:solidFill>
+          <a:ln>
             <a:solidFill>
               <a:srgbClr val="B451FF"/>
             </a:solidFill>
-            <a:ln>
-              <a:solidFill>
-                <a:srgbClr val="B451FF"/>
-              </a:solidFill>
-            </a:ln>
-            <a:effectLst/>
-          </p:spPr>
-          <p:style>
-            <a:lnRef idx="1">
-              <a:schemeClr val="accent1"/>
-            </a:lnRef>
-            <a:fillRef idx="3">
-              <a:schemeClr val="accent1"/>
-            </a:fillRef>
-            <a:effectRef idx="2">
-              <a:schemeClr val="accent1"/>
-            </a:effectRef>
-            <a:fontRef idx="minor">
-              <a:schemeClr val="lt1"/>
-            </a:fontRef>
-          </p:style>
-          <p:txBody>
-            <a:bodyPr rtlCol="0" anchor="ctr"/>
-            <a:lstStyle/>
-            <a:p>
-              <a:pPr algn="ctr"/>
-              <a:endParaRPr lang="en-US"/>
-            </a:p>
-          </p:txBody>
-        </p:sp>
-        <p:sp>
-          <p:nvSpPr>
-            <p:cNvPr id="65" name="Oval 64"/>
-            <p:cNvSpPr/>
-            <p:nvPr/>
-          </p:nvSpPr>
-          <p:spPr>
-            <a:xfrm>
-              <a:off x="636612" y="7349478"/>
-              <a:ext cx="45719" cy="45719"/>
-            </a:xfrm>
-            <a:prstGeom prst="ellipse">
-              <a:avLst/>
-            </a:prstGeom>
+          </a:ln>
+          <a:effectLst/>
+        </p:spPr>
+        <p:style>
+          <a:lnRef idx="1">
+            <a:schemeClr val="accent1"/>
+          </a:lnRef>
+          <a:fillRef idx="3">
+            <a:schemeClr val="accent1"/>
+          </a:fillRef>
+          <a:effectRef idx="2">
+            <a:schemeClr val="accent1"/>
+          </a:effectRef>
+          <a:fontRef idx="minor">
+            <a:schemeClr val="lt1"/>
+          </a:fontRef>
+        </p:style>
+        <p:txBody>
+          <a:bodyPr rtlCol="0" anchor="ctr"/>
+          <a:lstStyle/>
+          <a:p>
+            <a:pPr algn="ctr"/>
+            <a:endParaRPr lang="en-US"/>
+          </a:p>
+        </p:txBody>
+      </p:sp>
+      <p:sp>
+        <p:nvSpPr>
+          <p:cNvPr id="65" name="Oval 64"/>
+          <p:cNvSpPr/>
+          <p:nvPr/>
+        </p:nvSpPr>
+        <p:spPr>
+          <a:xfrm>
+            <a:off x="992868" y="7610732"/>
+            <a:ext cx="45719" cy="45719"/>
+          </a:xfrm>
+          <a:prstGeom prst="ellipse">
+            <a:avLst/>
+          </a:prstGeom>
+          <a:solidFill>
+            <a:srgbClr val="B451FF"/>
+          </a:solidFill>
+          <a:ln>
             <a:solidFill>
               <a:srgbClr val="B451FF"/>
             </a:solidFill>
-            <a:ln>
-              <a:solidFill>
-                <a:srgbClr val="B451FF"/>
-              </a:solidFill>
-            </a:ln>
-            <a:effectLst/>
-          </p:spPr>
-          <p:style>
-            <a:lnRef idx="1">
-              <a:schemeClr val="accent1"/>
-            </a:lnRef>
-            <a:fillRef idx="3">
-              <a:schemeClr val="accent1"/>
-            </a:fillRef>
-            <a:effectRef idx="2">
-              <a:schemeClr val="accent1"/>
-            </a:effectRef>
-            <a:fontRef idx="minor">
-              <a:schemeClr val="lt1"/>
-            </a:fontRef>
-          </p:style>
-          <p:txBody>
-            <a:bodyPr rtlCol="0" anchor="ctr"/>
-            <a:lstStyle/>
-            <a:p>
-              <a:pPr algn="ctr"/>
-              <a:endParaRPr lang="en-US"/>
-            </a:p>
-          </p:txBody>
-        </p:sp>
-        <p:sp>
-          <p:nvSpPr>
-            <p:cNvPr id="66" name="Oval 65"/>
-            <p:cNvSpPr/>
-            <p:nvPr/>
-          </p:nvSpPr>
-          <p:spPr>
-            <a:xfrm>
-              <a:off x="800596" y="7227814"/>
-              <a:ext cx="45719" cy="45719"/>
-            </a:xfrm>
-            <a:prstGeom prst="ellipse">
-              <a:avLst/>
-            </a:prstGeom>
+          </a:ln>
+          <a:effectLst/>
+        </p:spPr>
+        <p:style>
+          <a:lnRef idx="1">
+            <a:schemeClr val="accent1"/>
+          </a:lnRef>
+          <a:fillRef idx="3">
+            <a:schemeClr val="accent1"/>
+          </a:fillRef>
+          <a:effectRef idx="2">
+            <a:schemeClr val="accent1"/>
+          </a:effectRef>
+          <a:fontRef idx="minor">
+            <a:schemeClr val="lt1"/>
+          </a:fontRef>
+        </p:style>
+        <p:txBody>
+          <a:bodyPr rtlCol="0" anchor="ctr"/>
+          <a:lstStyle/>
+          <a:p>
+            <a:pPr algn="ctr"/>
+            <a:endParaRPr lang="en-US"/>
+          </a:p>
+        </p:txBody>
+      </p:sp>
+      <p:sp>
+        <p:nvSpPr>
+          <p:cNvPr id="66" name="Oval 65"/>
+          <p:cNvSpPr/>
+          <p:nvPr/>
+        </p:nvSpPr>
+        <p:spPr>
+          <a:xfrm>
+            <a:off x="1156852" y="7489068"/>
+            <a:ext cx="45719" cy="45719"/>
+          </a:xfrm>
+          <a:prstGeom prst="ellipse">
+            <a:avLst/>
+          </a:prstGeom>
+          <a:solidFill>
+            <a:srgbClr val="B451FF"/>
+          </a:solidFill>
+          <a:ln>
             <a:solidFill>
               <a:srgbClr val="B451FF"/>
             </a:solidFill>
-            <a:ln>
-              <a:solidFill>
-                <a:srgbClr val="B451FF"/>
-              </a:solidFill>
-            </a:ln>
-            <a:effectLst/>
-          </p:spPr>
-          <p:style>
-            <a:lnRef idx="1">
-              <a:schemeClr val="accent1"/>
-            </a:lnRef>
-            <a:fillRef idx="3">
-              <a:schemeClr val="accent1"/>
-            </a:fillRef>
-            <a:effectRef idx="2">
-              <a:schemeClr val="accent1"/>
-            </a:effectRef>
-            <a:fontRef idx="minor">
-              <a:schemeClr val="lt1"/>
-            </a:fontRef>
-          </p:style>
-          <p:txBody>
-            <a:bodyPr rtlCol="0" anchor="ctr"/>
-            <a:lstStyle/>
-            <a:p>
-              <a:pPr algn="ctr"/>
-              <a:endParaRPr lang="en-US"/>
-            </a:p>
-          </p:txBody>
-        </p:sp>
-        <p:sp>
-          <p:nvSpPr>
-            <p:cNvPr id="67" name="Oval 66"/>
-            <p:cNvSpPr/>
-            <p:nvPr/>
-          </p:nvSpPr>
-          <p:spPr>
-            <a:xfrm>
-              <a:off x="1597254" y="7430104"/>
-              <a:ext cx="45719" cy="45719"/>
-            </a:xfrm>
-            <a:prstGeom prst="ellipse">
-              <a:avLst/>
-            </a:prstGeom>
+          </a:ln>
+          <a:effectLst/>
+        </p:spPr>
+        <p:style>
+          <a:lnRef idx="1">
+            <a:schemeClr val="accent1"/>
+          </a:lnRef>
+          <a:fillRef idx="3">
+            <a:schemeClr val="accent1"/>
+          </a:fillRef>
+          <a:effectRef idx="2">
+            <a:schemeClr val="accent1"/>
+          </a:effectRef>
+          <a:fontRef idx="minor">
+            <a:schemeClr val="lt1"/>
+          </a:fontRef>
+        </p:style>
+        <p:txBody>
+          <a:bodyPr rtlCol="0" anchor="ctr"/>
+          <a:lstStyle/>
+          <a:p>
+            <a:pPr algn="ctr"/>
+            <a:endParaRPr lang="en-US"/>
+          </a:p>
+        </p:txBody>
+      </p:sp>
+      <p:sp>
+        <p:nvSpPr>
+          <p:cNvPr id="67" name="Oval 66"/>
+          <p:cNvSpPr/>
+          <p:nvPr/>
+        </p:nvSpPr>
+        <p:spPr>
+          <a:xfrm>
+            <a:off x="1953510" y="7691358"/>
+            <a:ext cx="45719" cy="45719"/>
+          </a:xfrm>
+          <a:prstGeom prst="ellipse">
+            <a:avLst/>
+          </a:prstGeom>
+          <a:solidFill>
+            <a:srgbClr val="B451FF"/>
+          </a:solidFill>
+          <a:ln>
             <a:solidFill>
               <a:srgbClr val="B451FF"/>
             </a:solidFill>
-            <a:ln>
-              <a:solidFill>
-                <a:srgbClr val="B451FF"/>
-              </a:solidFill>
-            </a:ln>
-            <a:effectLst/>
-          </p:spPr>
-          <p:style>
-            <a:lnRef idx="1">
-              <a:schemeClr val="accent1"/>
-            </a:lnRef>
-            <a:fillRef idx="3">
-              <a:schemeClr val="accent1"/>
-            </a:fillRef>
-            <a:effectRef idx="2">
-              <a:schemeClr val="accent1"/>
-            </a:effectRef>
-            <a:fontRef idx="minor">
-              <a:schemeClr val="lt1"/>
-            </a:fontRef>
-          </p:style>
-          <p:txBody>
-            <a:bodyPr rtlCol="0" anchor="ctr"/>
-            <a:lstStyle/>
-            <a:p>
-              <a:pPr algn="ctr"/>
-              <a:endParaRPr lang="en-US"/>
-            </a:p>
-          </p:txBody>
-        </p:sp>
-        <p:sp>
-          <p:nvSpPr>
-            <p:cNvPr id="68" name="Oval 67"/>
-            <p:cNvSpPr/>
-            <p:nvPr/>
-          </p:nvSpPr>
-          <p:spPr>
-            <a:xfrm>
-              <a:off x="1312867" y="8145254"/>
-              <a:ext cx="45719" cy="45719"/>
-            </a:xfrm>
-            <a:prstGeom prst="ellipse">
-              <a:avLst/>
-            </a:prstGeom>
+          </a:ln>
+          <a:effectLst/>
+        </p:spPr>
+        <p:style>
+          <a:lnRef idx="1">
+            <a:schemeClr val="accent1"/>
+          </a:lnRef>
+          <a:fillRef idx="3">
+            <a:schemeClr val="accent1"/>
+          </a:fillRef>
+          <a:effectRef idx="2">
+            <a:schemeClr val="accent1"/>
+          </a:effectRef>
+          <a:fontRef idx="minor">
+            <a:schemeClr val="lt1"/>
+          </a:fontRef>
+        </p:style>
+        <p:txBody>
+          <a:bodyPr rtlCol="0" anchor="ctr"/>
+          <a:lstStyle/>
+          <a:p>
+            <a:pPr algn="ctr"/>
+            <a:endParaRPr lang="en-US"/>
+          </a:p>
+        </p:txBody>
+      </p:sp>
+      <p:sp>
+        <p:nvSpPr>
+          <p:cNvPr id="68" name="Oval 67"/>
+          <p:cNvSpPr/>
+          <p:nvPr/>
+        </p:nvSpPr>
+        <p:spPr>
+          <a:xfrm>
+            <a:off x="1669123" y="8406508"/>
+            <a:ext cx="45719" cy="45719"/>
+          </a:xfrm>
+          <a:prstGeom prst="ellipse">
+            <a:avLst/>
+          </a:prstGeom>
+          <a:solidFill>
+            <a:srgbClr val="B451FF"/>
+          </a:solidFill>
+          <a:ln>
             <a:solidFill>
               <a:srgbClr val="B451FF"/>
             </a:solidFill>
-            <a:ln>
-              <a:solidFill>
-                <a:srgbClr val="B451FF"/>
-              </a:solidFill>
-            </a:ln>
-            <a:effectLst/>
-          </p:spPr>
-          <p:style>
-            <a:lnRef idx="1">
-              <a:schemeClr val="accent1"/>
-            </a:lnRef>
-            <a:fillRef idx="3">
-              <a:schemeClr val="accent1"/>
-            </a:fillRef>
-            <a:effectRef idx="2">
-              <a:schemeClr val="accent1"/>
-            </a:effectRef>
-            <a:fontRef idx="minor">
-              <a:schemeClr val="lt1"/>
-            </a:fontRef>
-          </p:style>
-          <p:txBody>
-            <a:bodyPr rtlCol="0" anchor="ctr"/>
-            <a:lstStyle/>
-            <a:p>
-              <a:pPr algn="ctr"/>
-              <a:endParaRPr lang="en-US"/>
-            </a:p>
-          </p:txBody>
-        </p:sp>
-        <p:sp>
-          <p:nvSpPr>
-            <p:cNvPr id="69" name="Oval 68"/>
-            <p:cNvSpPr/>
-            <p:nvPr/>
-          </p:nvSpPr>
-          <p:spPr>
-            <a:xfrm>
-              <a:off x="891768" y="8168113"/>
-              <a:ext cx="45719" cy="45719"/>
-            </a:xfrm>
-            <a:prstGeom prst="ellipse">
-              <a:avLst/>
-            </a:prstGeom>
+          </a:ln>
+          <a:effectLst/>
+        </p:spPr>
+        <p:style>
+          <a:lnRef idx="1">
+            <a:schemeClr val="accent1"/>
+          </a:lnRef>
+          <a:fillRef idx="3">
+            <a:schemeClr val="accent1"/>
+          </a:fillRef>
+          <a:effectRef idx="2">
+            <a:schemeClr val="accent1"/>
+          </a:effectRef>
+          <a:fontRef idx="minor">
+            <a:schemeClr val="lt1"/>
+          </a:fontRef>
+        </p:style>
+        <p:txBody>
+          <a:bodyPr rtlCol="0" anchor="ctr"/>
+          <a:lstStyle/>
+          <a:p>
+            <a:pPr algn="ctr"/>
+            <a:endParaRPr lang="en-US"/>
+          </a:p>
+        </p:txBody>
+      </p:sp>
+      <p:sp>
+        <p:nvSpPr>
+          <p:cNvPr id="69" name="Oval 68"/>
+          <p:cNvSpPr/>
+          <p:nvPr/>
+        </p:nvSpPr>
+        <p:spPr>
+          <a:xfrm>
+            <a:off x="1248024" y="8429367"/>
+            <a:ext cx="45719" cy="45719"/>
+          </a:xfrm>
+          <a:prstGeom prst="ellipse">
+            <a:avLst/>
+          </a:prstGeom>
+          <a:solidFill>
+            <a:srgbClr val="B451FF"/>
+          </a:solidFill>
+          <a:ln>
             <a:solidFill>
               <a:srgbClr val="B451FF"/>
             </a:solidFill>
-            <a:ln>
-              <a:solidFill>
-                <a:srgbClr val="B451FF"/>
-              </a:solidFill>
-            </a:ln>
-            <a:effectLst/>
-          </p:spPr>
-          <p:style>
-            <a:lnRef idx="1">
-              <a:schemeClr val="accent1"/>
-            </a:lnRef>
-            <a:fillRef idx="3">
-              <a:schemeClr val="accent1"/>
-            </a:fillRef>
-            <a:effectRef idx="2">
-              <a:schemeClr val="accent1"/>
-            </a:effectRef>
-            <a:fontRef idx="minor">
-              <a:schemeClr val="lt1"/>
-            </a:fontRef>
-          </p:style>
-          <p:txBody>
-            <a:bodyPr rtlCol="0" anchor="ctr"/>
-            <a:lstStyle/>
-            <a:p>
-              <a:pPr algn="ctr"/>
-              <a:endParaRPr lang="en-US"/>
-            </a:p>
-          </p:txBody>
-        </p:sp>
-        <p:sp>
-          <p:nvSpPr>
-            <p:cNvPr id="70" name="Oval 69"/>
-            <p:cNvSpPr/>
-            <p:nvPr/>
-          </p:nvSpPr>
-          <p:spPr>
-            <a:xfrm>
-              <a:off x="830455" y="8071605"/>
-              <a:ext cx="45719" cy="45719"/>
-            </a:xfrm>
-            <a:prstGeom prst="ellipse">
-              <a:avLst/>
-            </a:prstGeom>
+          </a:ln>
+          <a:effectLst/>
+        </p:spPr>
+        <p:style>
+          <a:lnRef idx="1">
+            <a:schemeClr val="accent1"/>
+          </a:lnRef>
+          <a:fillRef idx="3">
+            <a:schemeClr val="accent1"/>
+          </a:fillRef>
+          <a:effectRef idx="2">
+            <a:schemeClr val="accent1"/>
+          </a:effectRef>
+          <a:fontRef idx="minor">
+            <a:schemeClr val="lt1"/>
+          </a:fontRef>
+        </p:style>
+        <p:txBody>
+          <a:bodyPr rtlCol="0" anchor="ctr"/>
+          <a:lstStyle/>
+          <a:p>
+            <a:pPr algn="ctr"/>
+            <a:endParaRPr lang="en-US"/>
+          </a:p>
+        </p:txBody>
+      </p:sp>
+      <p:sp>
+        <p:nvSpPr>
+          <p:cNvPr id="70" name="Oval 69"/>
+          <p:cNvSpPr/>
+          <p:nvPr/>
+        </p:nvSpPr>
+        <p:spPr>
+          <a:xfrm>
+            <a:off x="1186711" y="8332859"/>
+            <a:ext cx="45719" cy="45719"/>
+          </a:xfrm>
+          <a:prstGeom prst="ellipse">
+            <a:avLst/>
+          </a:prstGeom>
+          <a:solidFill>
+            <a:srgbClr val="B451FF"/>
+          </a:solidFill>
+          <a:ln>
             <a:solidFill>
               <a:srgbClr val="B451FF"/>
             </a:solidFill>
-            <a:ln>
-              <a:solidFill>
-                <a:srgbClr val="B451FF"/>
-              </a:solidFill>
-            </a:ln>
-            <a:effectLst/>
-          </p:spPr>
-          <p:style>
-            <a:lnRef idx="1">
-              <a:schemeClr val="accent1"/>
-            </a:lnRef>
-            <a:fillRef idx="3">
-              <a:schemeClr val="accent1"/>
-            </a:fillRef>
-            <a:effectRef idx="2">
-              <a:schemeClr val="accent1"/>
-            </a:effectRef>
-            <a:fontRef idx="minor">
-              <a:schemeClr val="lt1"/>
-            </a:fontRef>
-          </p:style>
-          <p:txBody>
-            <a:bodyPr rtlCol="0" anchor="ctr"/>
-            <a:lstStyle/>
-            <a:p>
-              <a:pPr algn="ctr"/>
-              <a:endParaRPr lang="en-US"/>
-            </a:p>
-          </p:txBody>
-        </p:sp>
-        <p:pic>
-          <p:nvPicPr>
-            <p:cNvPr id="73" name="Picture 72"/>
-            <p:cNvPicPr>
-              <a:picLocks noChangeAspect="1"/>
-            </p:cNvPicPr>
-            <p:nvPr/>
-          </p:nvPicPr>
-          <p:blipFill>
-            <a:blip r:embed="rId4">
-              <a:extLst>
-                <a:ext uri="{28A0092B-C50C-407E-A947-70E740481C1C}">
-                  <a14:useLocalDpi xmlns:a14="http://schemas.microsoft.com/office/drawing/2010/main" val="0"/>
-                </a:ext>
-              </a:extLst>
-            </a:blip>
-            <a:stretch>
-              <a:fillRect/>
-            </a:stretch>
-          </p:blipFill>
-          <p:spPr>
-            <a:xfrm>
-              <a:off x="2793962" y="6378129"/>
-              <a:ext cx="4034771" cy="2516489"/>
-            </a:xfrm>
-            <a:prstGeom prst="rect">
-              <a:avLst/>
-            </a:prstGeom>
-          </p:spPr>
-        </p:pic>
-      </p:grpSp>
+          </a:ln>
+          <a:effectLst/>
+        </p:spPr>
+        <p:style>
+          <a:lnRef idx="1">
+            <a:schemeClr val="accent1"/>
+          </a:lnRef>
+          <a:fillRef idx="3">
+            <a:schemeClr val="accent1"/>
+          </a:fillRef>
+          <a:effectRef idx="2">
+            <a:schemeClr val="accent1"/>
+          </a:effectRef>
+          <a:fontRef idx="minor">
+            <a:schemeClr val="lt1"/>
+          </a:fontRef>
+        </p:style>
+        <p:txBody>
+          <a:bodyPr rtlCol="0" anchor="ctr"/>
+          <a:lstStyle/>
+          <a:p>
+            <a:pPr algn="ctr"/>
+            <a:endParaRPr lang="en-US"/>
+          </a:p>
+        </p:txBody>
+      </p:sp>
+      <p:pic>
+        <p:nvPicPr>
+          <p:cNvPr id="73" name="Picture 72"/>
+          <p:cNvPicPr>
+            <a:picLocks noChangeAspect="1"/>
+          </p:cNvPicPr>
+          <p:nvPr/>
+        </p:nvPicPr>
+        <p:blipFill>
+          <a:blip r:embed="rId4">
+            <a:extLst>
+              <a:ext uri="{28A0092B-C50C-407E-A947-70E740481C1C}">
+                <a14:useLocalDpi xmlns:a14="http://schemas.microsoft.com/office/drawing/2010/main" val="0"/>
+              </a:ext>
+            </a:extLst>
+          </a:blip>
+          <a:stretch>
+            <a:fillRect/>
+          </a:stretch>
+        </p:blipFill>
+        <p:spPr>
+          <a:xfrm>
+            <a:off x="2492435" y="6662690"/>
+            <a:ext cx="4047716" cy="2529822"/>
+          </a:xfrm>
+          <a:prstGeom prst="rect">
+            <a:avLst/>
+          </a:prstGeom>
+        </p:spPr>
+      </p:pic>
     </p:spTree>
     <p:extLst>
       <p:ext uri="{BB962C8B-B14F-4D97-AF65-F5344CB8AC3E}">

--- a/images/results/plum-pudding.pptx
+++ b/images/results/plum-pudding.pptx
@@ -243,7 +243,7 @@
           <a:p>
             <a:fld id="{B6A3BE70-4BC0-064E-B746-30DCF43DDBBE}" type="datetimeFigureOut">
               <a:rPr lang="en-US" smtClean="0"/>
-              <a:t>12/22/16</a:t>
+              <a:t>1/14/17</a:t>
             </a:fld>
             <a:endParaRPr lang="en-US"/>
           </a:p>
@@ -408,7 +408,7 @@
           <a:p>
             <a:fld id="{B6A3BE70-4BC0-064E-B746-30DCF43DDBBE}" type="datetimeFigureOut">
               <a:rPr lang="en-US" smtClean="0"/>
-              <a:t>12/22/16</a:t>
+              <a:t>1/14/17</a:t>
             </a:fld>
             <a:endParaRPr lang="en-US"/>
           </a:p>
@@ -583,7 +583,7 @@
           <a:p>
             <a:fld id="{B6A3BE70-4BC0-064E-B746-30DCF43DDBBE}" type="datetimeFigureOut">
               <a:rPr lang="en-US" smtClean="0"/>
-              <a:t>12/22/16</a:t>
+              <a:t>1/14/17</a:t>
             </a:fld>
             <a:endParaRPr lang="en-US"/>
           </a:p>
@@ -748,7 +748,7 @@
           <a:p>
             <a:fld id="{B6A3BE70-4BC0-064E-B746-30DCF43DDBBE}" type="datetimeFigureOut">
               <a:rPr lang="en-US" smtClean="0"/>
-              <a:t>12/22/16</a:t>
+              <a:t>1/14/17</a:t>
             </a:fld>
             <a:endParaRPr lang="en-US"/>
           </a:p>
@@ -987,7 +987,7 @@
           <a:p>
             <a:fld id="{B6A3BE70-4BC0-064E-B746-30DCF43DDBBE}" type="datetimeFigureOut">
               <a:rPr lang="en-US" smtClean="0"/>
-              <a:t>12/22/16</a:t>
+              <a:t>1/14/17</a:t>
             </a:fld>
             <a:endParaRPr lang="en-US"/>
           </a:p>
@@ -1214,7 +1214,7 @@
           <a:p>
             <a:fld id="{B6A3BE70-4BC0-064E-B746-30DCF43DDBBE}" type="datetimeFigureOut">
               <a:rPr lang="en-US" smtClean="0"/>
-              <a:t>12/22/16</a:t>
+              <a:t>1/14/17</a:t>
             </a:fld>
             <a:endParaRPr lang="en-US"/>
           </a:p>
@@ -1576,7 +1576,7 @@
           <a:p>
             <a:fld id="{B6A3BE70-4BC0-064E-B746-30DCF43DDBBE}" type="datetimeFigureOut">
               <a:rPr lang="en-US" smtClean="0"/>
-              <a:t>12/22/16</a:t>
+              <a:t>1/14/17</a:t>
             </a:fld>
             <a:endParaRPr lang="en-US"/>
           </a:p>
@@ -1689,7 +1689,7 @@
           <a:p>
             <a:fld id="{B6A3BE70-4BC0-064E-B746-30DCF43DDBBE}" type="datetimeFigureOut">
               <a:rPr lang="en-US" smtClean="0"/>
-              <a:t>12/22/16</a:t>
+              <a:t>1/14/17</a:t>
             </a:fld>
             <a:endParaRPr lang="en-US"/>
           </a:p>
@@ -1779,7 +1779,7 @@
           <a:p>
             <a:fld id="{B6A3BE70-4BC0-064E-B746-30DCF43DDBBE}" type="datetimeFigureOut">
               <a:rPr lang="en-US" smtClean="0"/>
-              <a:t>12/22/16</a:t>
+              <a:t>1/14/17</a:t>
             </a:fld>
             <a:endParaRPr lang="en-US"/>
           </a:p>
@@ -2051,7 +2051,7 @@
           <a:p>
             <a:fld id="{B6A3BE70-4BC0-064E-B746-30DCF43DDBBE}" type="datetimeFigureOut">
               <a:rPr lang="en-US" smtClean="0"/>
-              <a:t>12/22/16</a:t>
+              <a:t>1/14/17</a:t>
             </a:fld>
             <a:endParaRPr lang="en-US"/>
           </a:p>
@@ -2303,7 +2303,7 @@
           <a:p>
             <a:fld id="{B6A3BE70-4BC0-064E-B746-30DCF43DDBBE}" type="datetimeFigureOut">
               <a:rPr lang="en-US" smtClean="0"/>
-              <a:t>12/22/16</a:t>
+              <a:t>1/14/17</a:t>
             </a:fld>
             <a:endParaRPr lang="en-US"/>
           </a:p>
@@ -2511,7 +2511,7 @@
           <a:p>
             <a:fld id="{B6A3BE70-4BC0-064E-B746-30DCF43DDBBE}" type="datetimeFigureOut">
               <a:rPr lang="en-US" smtClean="0"/>
-              <a:t>12/22/16</a:t>
+              <a:t>1/14/17</a:t>
             </a:fld>
             <a:endParaRPr lang="en-US"/>
           </a:p>
@@ -3441,7 +3441,7 @@
         </p:nvSpPr>
         <p:spPr>
           <a:xfrm>
-            <a:off x="2136942" y="890646"/>
+            <a:off x="2160692" y="890646"/>
             <a:ext cx="2008412" cy="527269"/>
           </a:xfrm>
           <a:prstGeom prst="rightArrow">
@@ -3503,11 +3503,7 @@
           <a:p>
             <a:r>
               <a:rPr lang="en-US" dirty="0" smtClean="0"/>
-              <a:t>One </a:t>
-            </a:r>
-            <a:r>
-              <a:rPr lang="en-US" dirty="0" err="1" smtClean="0"/>
-              <a:t>scatterer</a:t>
+              <a:t>One scatterer</a:t>
             </a:r>
             <a:endParaRPr lang="en-US" dirty="0"/>
           </a:p>
@@ -3537,11 +3533,7 @@
           <a:p>
             <a:r>
               <a:rPr lang="en-US" dirty="0" smtClean="0"/>
-              <a:t>Few </a:t>
-            </a:r>
-            <a:r>
-              <a:rPr lang="en-US" dirty="0" err="1" smtClean="0"/>
-              <a:t>scatterers</a:t>
+              <a:t>Few scatterers</a:t>
             </a:r>
             <a:endParaRPr lang="en-US" dirty="0"/>
           </a:p>
@@ -3648,11 +3640,7 @@
           <a:p>
             <a:r>
               <a:rPr lang="en-US" dirty="0" smtClean="0"/>
-              <a:t>Many </a:t>
-            </a:r>
-            <a:r>
-              <a:rPr lang="en-US" dirty="0" err="1" smtClean="0"/>
-              <a:t>scatterers</a:t>
+              <a:t>Many scatterers</a:t>
             </a:r>
             <a:endParaRPr lang="en-US" dirty="0"/>
           </a:p>
@@ -3711,7 +3699,7 @@
         <p:spPr>
           <a:xfrm>
             <a:off x="2492435" y="1600843"/>
-            <a:ext cx="4080593" cy="2550370"/>
+            <a:ext cx="4080592" cy="2550370"/>
           </a:xfrm>
           <a:prstGeom prst="rect">
             <a:avLst/>
@@ -3741,7 +3729,7 @@
         <p:spPr>
           <a:xfrm>
             <a:off x="2492435" y="4071874"/>
-            <a:ext cx="4009523" cy="2505952"/>
+            <a:ext cx="4009523" cy="2505951"/>
           </a:xfrm>
           <a:prstGeom prst="rect">
             <a:avLst/>
@@ -5463,7 +5451,7 @@
         <p:spPr>
           <a:xfrm>
             <a:off x="2492435" y="6662690"/>
-            <a:ext cx="4047716" cy="2529822"/>
+            <a:ext cx="4047715" cy="2529822"/>
           </a:xfrm>
           <a:prstGeom prst="rect">
             <a:avLst/>
